--- a/2021.01 - [ MS SQL Server ]/13 - [ Functions and Stored Procedures - LAB ]/00 - [ Resources ]/Presentation.pptx
+++ b/2021.01 - [ MS SQL Server ]/13 - [ Functions and Stored Procedures - LAB ]/00 - [ Resources ]/Presentation.pptx
@@ -339,7 +339,7 @@
           <a:p>
             <a:fld id="{4E087215-0C8F-4762-A664-737A353EC9A4}" type="datetimeFigureOut">
               <a:rPr lang="bg-BG" smtClean="0"/>
-              <a:t>1.2.2021 г.</a:t>
+              <a:t>2.2.2021 г.</a:t>
             </a:fld>
             <a:endParaRPr lang="bg-BG"/>
           </a:p>
@@ -530,7 +530,7 @@
           <a:p>
             <a:fld id="{72D84649-876A-46C9-8472-14CB09C070D8}" type="datetimeFigureOut">
               <a:rPr lang="en-US" smtClean="0"/>
-              <a:t>2/1/2021</a:t>
+              <a:t>2/2/2021</a:t>
             </a:fld>
             <a:endParaRPr lang="en-US"/>
           </a:p>
@@ -983,68 +983,55 @@
       </p:grpSpPr>
       <p:sp>
         <p:nvSpPr>
-          <p:cNvPr id="5" name="Rectangle 7"/>
+          <p:cNvPr id="2" name="Slide Image Placeholder 1"/>
           <p:cNvSpPr>
-            <a:spLocks noGrp="1" noChangeArrowheads="1"/>
-          </p:cNvSpPr>
-          <p:nvPr>
-            <p:ph type="sldNum" sz="quarter" idx="5"/>
-          </p:nvPr>
-        </p:nvSpPr>
-        <p:spPr>
-          <a:ln/>
-        </p:spPr>
-        <p:txBody>
-          <a:bodyPr/>
-          <a:lstStyle/>
-          <a:p>
-            <a:fld id="{1BFA7091-1169-4A3F-A158-1ACE5A626F08}" type="slidenum">
-              <a:rPr lang="en-US"/>
-              <a:pPr/>
-              <a:t>12</a:t>
-            </a:fld>
-            <a:r>
-              <a:rPr lang="en-US" dirty="0"/>
-              <a:t>##</a:t>
-            </a:r>
-            <a:endParaRPr lang="en-US" sz="1100" dirty="0"/>
-          </a:p>
-        </p:txBody>
-      </p:sp>
-      <p:sp>
-        <p:nvSpPr>
-          <p:cNvPr id="541698" name="Rectangle 2"/>
-          <p:cNvSpPr>
-            <a:spLocks noGrp="1" noRot="1" noChangeAspect="1" noChangeArrowheads="1" noTextEdit="1"/>
+            <a:spLocks noGrp="1" noRot="1" noChangeAspect="1"/>
           </p:cNvSpPr>
           <p:nvPr>
             <p:ph type="sldImg"/>
           </p:nvPr>
         </p:nvSpPr>
-        <p:spPr>
-          <a:ln/>
-        </p:spPr>
+        <p:spPr/>
       </p:sp>
       <p:sp>
         <p:nvSpPr>
-          <p:cNvPr id="541699" name="Rectangle 3"/>
+          <p:cNvPr id="3" name="Notes Placeholder 2"/>
           <p:cNvSpPr>
-            <a:spLocks noGrp="1" noChangeArrowheads="1"/>
+            <a:spLocks noGrp="1"/>
           </p:cNvSpPr>
           <p:nvPr>
             <p:ph type="body" idx="1"/>
           </p:nvPr>
         </p:nvSpPr>
-        <p:spPr>
-          <a:xfrm>
-            <a:off x="688481" y="4416099"/>
-            <a:ext cx="5504853" cy="4182457"/>
-          </a:xfrm>
-        </p:spPr>
+        <p:spPr/>
         <p:txBody>
           <a:bodyPr/>
           <a:lstStyle/>
           <a:p>
+            <a:endParaRPr lang="bg-BG" dirty="0"/>
+          </a:p>
+        </p:txBody>
+      </p:sp>
+      <p:sp>
+        <p:nvSpPr>
+          <p:cNvPr id="5" name="Slide Number Placeholder 4"/>
+          <p:cNvSpPr>
+            <a:spLocks noGrp="1"/>
+          </p:cNvSpPr>
+          <p:nvPr>
+            <p:ph type="sldNum" sz="quarter" idx="11"/>
+          </p:nvPr>
+        </p:nvSpPr>
+        <p:spPr/>
+        <p:txBody>
+          <a:bodyPr/>
+          <a:lstStyle/>
+          <a:p>
+            <a:fld id="{3EBA5BD7-F043-4D1B-AA17-CD412FC534DE}" type="slidenum">
+              <a:rPr lang="en-US" smtClean="0"/>
+              <a:pPr/>
+              <a:t>11</a:t>
+            </a:fld>
             <a:endParaRPr lang="en-US" dirty="0"/>
           </a:p>
         </p:txBody>
@@ -1054,7 +1041,7 @@
           <p:cNvPr id="6" name="Footer Placeholder 7">
             <a:extLst>
               <a:ext uri="{FF2B5EF4-FFF2-40B4-BE49-F238E27FC236}">
-                <a16:creationId xmlns:a16="http://schemas.microsoft.com/office/drawing/2014/main" id="{AFD6572F-3C65-42A8-995A-8C1022F8DC6B}"/>
+                <a16:creationId xmlns:a16="http://schemas.microsoft.com/office/drawing/2014/main" id="{D6AD8C22-F0D6-4AD0-9C8F-DA75BB5467C6}"/>
               </a:ext>
             </a:extLst>
           </p:cNvPr>
@@ -1102,7 +1089,7 @@
     </p:spTree>
     <p:extLst>
       <p:ext uri="{BB962C8B-B14F-4D97-AF65-F5344CB8AC3E}">
-        <p14:creationId xmlns:p14="http://schemas.microsoft.com/office/powerpoint/2010/main" val="3615900053"/>
+        <p14:creationId xmlns:p14="http://schemas.microsoft.com/office/powerpoint/2010/main" val="2931890652"/>
       </p:ext>
     </p:extLst>
   </p:cSld>
@@ -1149,7 +1136,7 @@
             <a:fld id="{1BFA7091-1169-4A3F-A158-1ACE5A626F08}" type="slidenum">
               <a:rPr lang="en-US"/>
               <a:pPr/>
-              <a:t>13</a:t>
+              <a:t>12</a:t>
             </a:fld>
             <a:r>
               <a:rPr lang="en-US" dirty="0"/>
@@ -1202,7 +1189,7 @@
           <p:cNvPr id="6" name="Footer Placeholder 7">
             <a:extLst>
               <a:ext uri="{FF2B5EF4-FFF2-40B4-BE49-F238E27FC236}">
-                <a16:creationId xmlns:a16="http://schemas.microsoft.com/office/drawing/2014/main" id="{ACC53956-8425-4400-AE43-0B89807C2C3D}"/>
+                <a16:creationId xmlns:a16="http://schemas.microsoft.com/office/drawing/2014/main" id="{AFD6572F-3C65-42A8-995A-8C1022F8DC6B}"/>
               </a:ext>
             </a:extLst>
           </p:cNvPr>
@@ -1250,7 +1237,7 @@
     </p:spTree>
     <p:extLst>
       <p:ext uri="{BB962C8B-B14F-4D97-AF65-F5344CB8AC3E}">
-        <p14:creationId xmlns:p14="http://schemas.microsoft.com/office/powerpoint/2010/main" val="3587964199"/>
+        <p14:creationId xmlns:p14="http://schemas.microsoft.com/office/powerpoint/2010/main" val="3615900053"/>
       </p:ext>
     </p:extLst>
   </p:cSld>
@@ -1297,7 +1284,7 @@
             <a:fld id="{1BFA7091-1169-4A3F-A158-1ACE5A626F08}" type="slidenum">
               <a:rPr lang="en-US"/>
               <a:pPr/>
-              <a:t>14</a:t>
+              <a:t>13</a:t>
             </a:fld>
             <a:r>
               <a:rPr lang="en-US" dirty="0"/>
@@ -1350,6 +1337,154 @@
           <p:cNvPr id="6" name="Footer Placeholder 7">
             <a:extLst>
               <a:ext uri="{FF2B5EF4-FFF2-40B4-BE49-F238E27FC236}">
+                <a16:creationId xmlns:a16="http://schemas.microsoft.com/office/drawing/2014/main" id="{ACC53956-8425-4400-AE43-0B89807C2C3D}"/>
+              </a:ext>
+            </a:extLst>
+          </p:cNvPr>
+          <p:cNvSpPr>
+            <a:spLocks noGrp="1"/>
+          </p:cNvSpPr>
+          <p:nvPr>
+            <p:ph type="ftr" sz="quarter" idx="4"/>
+          </p:nvPr>
+        </p:nvSpPr>
+        <p:spPr>
+          <a:xfrm>
+            <a:off x="-1" y="8847000"/>
+            <a:ext cx="6488999" cy="297000"/>
+          </a:xfrm>
+          <a:prstGeom prst="rect">
+            <a:avLst/>
+          </a:prstGeom>
+        </p:spPr>
+        <p:txBody>
+          <a:bodyPr vert="horz" lIns="91440" tIns="45720" rIns="91440" bIns="45720" rtlCol="0" anchor="b"/>
+          <a:lstStyle>
+            <a:lvl1pPr algn="l">
+              <a:defRPr sz="1100"/>
+            </a:lvl1pPr>
+          </a:lstStyle>
+          <a:p>
+            <a:r>
+              <a:rPr lang="en-US" dirty="0"/>
+              <a:t>© SoftUni – </a:t>
+            </a:r>
+            <a:r>
+              <a:rPr lang="en-US" u="sng" dirty="0">
+                <a:hlinkClick r:id="rId3"/>
+              </a:rPr>
+              <a:t>https://softuni.org</a:t>
+            </a:r>
+            <a:r>
+              <a:rPr lang="en-US" dirty="0"/>
+              <a:t>. Copyrighted document. Unauthorized copy or reproduction is not permitted.</a:t>
+            </a:r>
+          </a:p>
+        </p:txBody>
+      </p:sp>
+    </p:spTree>
+    <p:extLst>
+      <p:ext uri="{BB962C8B-B14F-4D97-AF65-F5344CB8AC3E}">
+        <p14:creationId xmlns:p14="http://schemas.microsoft.com/office/powerpoint/2010/main" val="3587964199"/>
+      </p:ext>
+    </p:extLst>
+  </p:cSld>
+  <p:clrMapOvr>
+    <a:masterClrMapping/>
+  </p:clrMapOvr>
+</p:notes>
+</file>
+
+<file path=ppt/notesSlides/notesSlide13.xml><?xml version="1.0" encoding="utf-8"?>
+<p:notes xmlns:a="http://schemas.openxmlformats.org/drawingml/2006/main" xmlns:r="http://schemas.openxmlformats.org/officeDocument/2006/relationships" xmlns:p="http://schemas.openxmlformats.org/presentationml/2006/main">
+  <p:cSld>
+    <p:spTree>
+      <p:nvGrpSpPr>
+        <p:cNvPr id="1" name=""/>
+        <p:cNvGrpSpPr/>
+        <p:nvPr/>
+      </p:nvGrpSpPr>
+      <p:grpSpPr>
+        <a:xfrm>
+          <a:off x="0" y="0"/>
+          <a:ext cx="0" cy="0"/>
+          <a:chOff x="0" y="0"/>
+          <a:chExt cx="0" cy="0"/>
+        </a:xfrm>
+      </p:grpSpPr>
+      <p:sp>
+        <p:nvSpPr>
+          <p:cNvPr id="5" name="Rectangle 7"/>
+          <p:cNvSpPr>
+            <a:spLocks noGrp="1" noChangeArrowheads="1"/>
+          </p:cNvSpPr>
+          <p:nvPr>
+            <p:ph type="sldNum" sz="quarter" idx="5"/>
+          </p:nvPr>
+        </p:nvSpPr>
+        <p:spPr>
+          <a:ln/>
+        </p:spPr>
+        <p:txBody>
+          <a:bodyPr/>
+          <a:lstStyle/>
+          <a:p>
+            <a:fld id="{1BFA7091-1169-4A3F-A158-1ACE5A626F08}" type="slidenum">
+              <a:rPr lang="en-US"/>
+              <a:pPr/>
+              <a:t>14</a:t>
+            </a:fld>
+            <a:r>
+              <a:rPr lang="en-US" dirty="0"/>
+              <a:t>##</a:t>
+            </a:r>
+            <a:endParaRPr lang="en-US" sz="1100" dirty="0"/>
+          </a:p>
+        </p:txBody>
+      </p:sp>
+      <p:sp>
+        <p:nvSpPr>
+          <p:cNvPr id="541698" name="Rectangle 2"/>
+          <p:cNvSpPr>
+            <a:spLocks noGrp="1" noRot="1" noChangeAspect="1" noChangeArrowheads="1" noTextEdit="1"/>
+          </p:cNvSpPr>
+          <p:nvPr>
+            <p:ph type="sldImg"/>
+          </p:nvPr>
+        </p:nvSpPr>
+        <p:spPr>
+          <a:ln/>
+        </p:spPr>
+      </p:sp>
+      <p:sp>
+        <p:nvSpPr>
+          <p:cNvPr id="541699" name="Rectangle 3"/>
+          <p:cNvSpPr>
+            <a:spLocks noGrp="1" noChangeArrowheads="1"/>
+          </p:cNvSpPr>
+          <p:nvPr>
+            <p:ph type="body" idx="1"/>
+          </p:nvPr>
+        </p:nvSpPr>
+        <p:spPr>
+          <a:xfrm>
+            <a:off x="688481" y="4416099"/>
+            <a:ext cx="5504853" cy="4182457"/>
+          </a:xfrm>
+        </p:spPr>
+        <p:txBody>
+          <a:bodyPr/>
+          <a:lstStyle/>
+          <a:p>
+            <a:endParaRPr lang="en-US" dirty="0"/>
+          </a:p>
+        </p:txBody>
+      </p:sp>
+      <p:sp>
+        <p:nvSpPr>
+          <p:cNvPr id="6" name="Footer Placeholder 7">
+            <a:extLst>
+              <a:ext uri="{FF2B5EF4-FFF2-40B4-BE49-F238E27FC236}">
                 <a16:creationId xmlns:a16="http://schemas.microsoft.com/office/drawing/2014/main" id="{C48F4693-EAEB-4CA6-9FB0-A7F651B66F2A}"/>
               </a:ext>
             </a:extLst>
@@ -1408,7 +1543,7 @@
 </p:notes>
 </file>
 
-<file path=ppt/notesSlides/notesSlide13.xml><?xml version="1.0" encoding="utf-8"?>
+<file path=ppt/notesSlides/notesSlide14.xml><?xml version="1.0" encoding="utf-8"?>
 <p:notes xmlns:a="http://schemas.openxmlformats.org/drawingml/2006/main" xmlns:r="http://schemas.openxmlformats.org/officeDocument/2006/relationships" xmlns:p="http://schemas.openxmlformats.org/presentationml/2006/main">
   <p:cSld>
     <p:spTree>
@@ -1565,123 +1700,6 @@
     <p:extLst>
       <p:ext uri="{BB962C8B-B14F-4D97-AF65-F5344CB8AC3E}">
         <p14:creationId xmlns:p14="http://schemas.microsoft.com/office/powerpoint/2010/main" val="1262383366"/>
-      </p:ext>
-    </p:extLst>
-  </p:cSld>
-  <p:clrMapOvr>
-    <a:masterClrMapping/>
-  </p:clrMapOvr>
-</p:notes>
-</file>
-
-<file path=ppt/notesSlides/notesSlide14.xml><?xml version="1.0" encoding="utf-8"?>
-<p:notes xmlns:a="http://schemas.openxmlformats.org/drawingml/2006/main" xmlns:r="http://schemas.openxmlformats.org/officeDocument/2006/relationships" xmlns:p="http://schemas.openxmlformats.org/presentationml/2006/main">
-  <p:cSld>
-    <p:spTree>
-      <p:nvGrpSpPr>
-        <p:cNvPr id="1" name=""/>
-        <p:cNvGrpSpPr/>
-        <p:nvPr/>
-      </p:nvGrpSpPr>
-      <p:grpSpPr>
-        <a:xfrm>
-          <a:off x="0" y="0"/>
-          <a:ext cx="0" cy="0"/>
-          <a:chOff x="0" y="0"/>
-          <a:chExt cx="0" cy="0"/>
-        </a:xfrm>
-      </p:grpSpPr>
-      <p:sp>
-        <p:nvSpPr>
-          <p:cNvPr id="2" name="Slide Image Placeholder 1"/>
-          <p:cNvSpPr>
-            <a:spLocks noGrp="1" noRot="1" noChangeAspect="1"/>
-          </p:cNvSpPr>
-          <p:nvPr>
-            <p:ph type="sldImg"/>
-          </p:nvPr>
-        </p:nvSpPr>
-        <p:spPr/>
-      </p:sp>
-      <p:sp>
-        <p:nvSpPr>
-          <p:cNvPr id="3" name="Notes Placeholder 2"/>
-          <p:cNvSpPr>
-            <a:spLocks noGrp="1"/>
-          </p:cNvSpPr>
-          <p:nvPr>
-            <p:ph type="body" idx="1"/>
-          </p:nvPr>
-        </p:nvSpPr>
-        <p:spPr/>
-        <p:txBody>
-          <a:bodyPr/>
-          <a:lstStyle/>
-          <a:p>
-            <a:endParaRPr lang="en-US" dirty="0"/>
-          </a:p>
-        </p:txBody>
-      </p:sp>
-      <p:sp>
-        <p:nvSpPr>
-          <p:cNvPr id="4" name="Slide Number Placeholder 3"/>
-          <p:cNvSpPr>
-            <a:spLocks noGrp="1"/>
-          </p:cNvSpPr>
-          <p:nvPr>
-            <p:ph type="sldNum" sz="quarter" idx="5"/>
-          </p:nvPr>
-        </p:nvSpPr>
-        <p:spPr/>
-        <p:txBody>
-          <a:bodyPr/>
-          <a:lstStyle/>
-          <a:p>
-            <a:fld id="{2BF067CD-8E6B-4360-9AA8-C5DF2A48A6D1}" type="slidenum">
-              <a:rPr lang="en-US" smtClean="0"/>
-              <a:t>16</a:t>
-            </a:fld>
-            <a:endParaRPr lang="en-US" dirty="0"/>
-          </a:p>
-        </p:txBody>
-      </p:sp>
-      <p:sp>
-        <p:nvSpPr>
-          <p:cNvPr id="5" name="Footer Placeholder 4"/>
-          <p:cNvSpPr>
-            <a:spLocks noGrp="1"/>
-          </p:cNvSpPr>
-          <p:nvPr>
-            <p:ph type="ftr" sz="quarter" idx="4"/>
-          </p:nvPr>
-        </p:nvSpPr>
-        <p:spPr/>
-        <p:txBody>
-          <a:bodyPr/>
-          <a:lstStyle/>
-          <a:p>
-            <a:r>
-              <a:rPr lang="en-US"/>
-              <a:t>© SoftUni – </a:t>
-            </a:r>
-            <a:r>
-              <a:rPr lang="en-US" u="sng">
-                <a:hlinkClick r:id="rId3"/>
-              </a:rPr>
-              <a:t>https://softuni.org</a:t>
-            </a:r>
-            <a:r>
-              <a:rPr lang="en-US"/>
-              <a:t>. Copyrighted document. Unauthorized copy or reproduction is not permitted.</a:t>
-            </a:r>
-            <a:endParaRPr lang="en-US" dirty="0"/>
-          </a:p>
-        </p:txBody>
-      </p:sp>
-    </p:spTree>
-    <p:extLst>
-      <p:ext uri="{BB962C8B-B14F-4D97-AF65-F5344CB8AC3E}">
-        <p14:creationId xmlns:p14="http://schemas.microsoft.com/office/powerpoint/2010/main" val="501307936"/>
       </p:ext>
     </p:extLst>
   </p:cSld>
@@ -1735,6 +1753,123 @@
           <a:bodyPr/>
           <a:lstStyle/>
           <a:p>
+            <a:endParaRPr lang="en-US" dirty="0"/>
+          </a:p>
+        </p:txBody>
+      </p:sp>
+      <p:sp>
+        <p:nvSpPr>
+          <p:cNvPr id="4" name="Slide Number Placeholder 3"/>
+          <p:cNvSpPr>
+            <a:spLocks noGrp="1"/>
+          </p:cNvSpPr>
+          <p:nvPr>
+            <p:ph type="sldNum" sz="quarter" idx="5"/>
+          </p:nvPr>
+        </p:nvSpPr>
+        <p:spPr/>
+        <p:txBody>
+          <a:bodyPr/>
+          <a:lstStyle/>
+          <a:p>
+            <a:fld id="{2BF067CD-8E6B-4360-9AA8-C5DF2A48A6D1}" type="slidenum">
+              <a:rPr lang="en-US" smtClean="0"/>
+              <a:t>16</a:t>
+            </a:fld>
+            <a:endParaRPr lang="en-US" dirty="0"/>
+          </a:p>
+        </p:txBody>
+      </p:sp>
+      <p:sp>
+        <p:nvSpPr>
+          <p:cNvPr id="5" name="Footer Placeholder 4"/>
+          <p:cNvSpPr>
+            <a:spLocks noGrp="1"/>
+          </p:cNvSpPr>
+          <p:nvPr>
+            <p:ph type="ftr" sz="quarter" idx="4"/>
+          </p:nvPr>
+        </p:nvSpPr>
+        <p:spPr/>
+        <p:txBody>
+          <a:bodyPr/>
+          <a:lstStyle/>
+          <a:p>
+            <a:r>
+              <a:rPr lang="en-US"/>
+              <a:t>© SoftUni – </a:t>
+            </a:r>
+            <a:r>
+              <a:rPr lang="en-US" u="sng">
+                <a:hlinkClick r:id="rId3"/>
+              </a:rPr>
+              <a:t>https://softuni.org</a:t>
+            </a:r>
+            <a:r>
+              <a:rPr lang="en-US"/>
+              <a:t>. Copyrighted document. Unauthorized copy or reproduction is not permitted.</a:t>
+            </a:r>
+            <a:endParaRPr lang="en-US" dirty="0"/>
+          </a:p>
+        </p:txBody>
+      </p:sp>
+    </p:spTree>
+    <p:extLst>
+      <p:ext uri="{BB962C8B-B14F-4D97-AF65-F5344CB8AC3E}">
+        <p14:creationId xmlns:p14="http://schemas.microsoft.com/office/powerpoint/2010/main" val="501307936"/>
+      </p:ext>
+    </p:extLst>
+  </p:cSld>
+  <p:clrMapOvr>
+    <a:masterClrMapping/>
+  </p:clrMapOvr>
+</p:notes>
+</file>
+
+<file path=ppt/notesSlides/notesSlide16.xml><?xml version="1.0" encoding="utf-8"?>
+<p:notes xmlns:a="http://schemas.openxmlformats.org/drawingml/2006/main" xmlns:r="http://schemas.openxmlformats.org/officeDocument/2006/relationships" xmlns:p="http://schemas.openxmlformats.org/presentationml/2006/main">
+  <p:cSld>
+    <p:spTree>
+      <p:nvGrpSpPr>
+        <p:cNvPr id="1" name=""/>
+        <p:cNvGrpSpPr/>
+        <p:nvPr/>
+      </p:nvGrpSpPr>
+      <p:grpSpPr>
+        <a:xfrm>
+          <a:off x="0" y="0"/>
+          <a:ext cx="0" cy="0"/>
+          <a:chOff x="0" y="0"/>
+          <a:chExt cx="0" cy="0"/>
+        </a:xfrm>
+      </p:grpSpPr>
+      <p:sp>
+        <p:nvSpPr>
+          <p:cNvPr id="2" name="Slide Image Placeholder 1"/>
+          <p:cNvSpPr>
+            <a:spLocks noGrp="1" noRot="1" noChangeAspect="1"/>
+          </p:cNvSpPr>
+          <p:nvPr>
+            <p:ph type="sldImg"/>
+          </p:nvPr>
+        </p:nvSpPr>
+        <p:spPr/>
+      </p:sp>
+      <p:sp>
+        <p:nvSpPr>
+          <p:cNvPr id="3" name="Notes Placeholder 2"/>
+          <p:cNvSpPr>
+            <a:spLocks noGrp="1"/>
+          </p:cNvSpPr>
+          <p:nvPr>
+            <p:ph type="body" idx="1"/>
+          </p:nvPr>
+        </p:nvSpPr>
+        <p:spPr/>
+        <p:txBody>
+          <a:bodyPr/>
+          <a:lstStyle/>
+          <a:p>
             <a:endParaRPr lang="bg-BG" dirty="0"/>
           </a:p>
         </p:txBody>
@@ -1816,172 +1951,6 @@
     <p:extLst>
       <p:ext uri="{BB962C8B-B14F-4D97-AF65-F5344CB8AC3E}">
         <p14:creationId xmlns:p14="http://schemas.microsoft.com/office/powerpoint/2010/main" val="3935612686"/>
-      </p:ext>
-    </p:extLst>
-  </p:cSld>
-  <p:clrMapOvr>
-    <a:masterClrMapping/>
-  </p:clrMapOvr>
-</p:notes>
-</file>
-
-<file path=ppt/notesSlides/notesSlide16.xml><?xml version="1.0" encoding="utf-8"?>
-<p:notes xmlns:a="http://schemas.openxmlformats.org/drawingml/2006/main" xmlns:r="http://schemas.openxmlformats.org/officeDocument/2006/relationships" xmlns:p="http://schemas.openxmlformats.org/presentationml/2006/main">
-  <p:cSld>
-    <p:spTree>
-      <p:nvGrpSpPr>
-        <p:cNvPr id="1" name=""/>
-        <p:cNvGrpSpPr/>
-        <p:nvPr/>
-      </p:nvGrpSpPr>
-      <p:grpSpPr>
-        <a:xfrm>
-          <a:off x="0" y="0"/>
-          <a:ext cx="0" cy="0"/>
-          <a:chOff x="0" y="0"/>
-          <a:chExt cx="0" cy="0"/>
-        </a:xfrm>
-      </p:grpSpPr>
-      <p:sp>
-        <p:nvSpPr>
-          <p:cNvPr id="4" name="Rectangle 2"/>
-          <p:cNvSpPr>
-            <a:spLocks noGrp="1" noChangeArrowheads="1"/>
-          </p:cNvSpPr>
-          <p:nvPr>
-            <p:ph type="hdr" sz="quarter"/>
-          </p:nvPr>
-        </p:nvSpPr>
-        <p:spPr>
-          <a:ln/>
-        </p:spPr>
-        <p:txBody>
-          <a:bodyPr/>
-          <a:lstStyle/>
-          <a:p>
-            <a:r>
-              <a:rPr lang="en-US" dirty="0"/>
-              <a:t>*</a:t>
-            </a:r>
-          </a:p>
-        </p:txBody>
-      </p:sp>
-      <p:sp>
-        <p:nvSpPr>
-          <p:cNvPr id="6" name="Rectangle 7"/>
-          <p:cNvSpPr>
-            <a:spLocks noGrp="1" noChangeArrowheads="1"/>
-          </p:cNvSpPr>
-          <p:nvPr>
-            <p:ph type="sldNum" sz="quarter" idx="5"/>
-          </p:nvPr>
-        </p:nvSpPr>
-        <p:spPr>
-          <a:ln/>
-        </p:spPr>
-        <p:txBody>
-          <a:bodyPr/>
-          <a:lstStyle/>
-          <a:p>
-            <a:fld id="{4E577010-E72C-43E2-A3EA-4608701522CE}" type="slidenum">
-              <a:rPr lang="en-US"/>
-              <a:pPr/>
-              <a:t>22</a:t>
-            </a:fld>
-            <a:r>
-              <a:rPr lang="en-US" dirty="0"/>
-              <a:t>##</a:t>
-            </a:r>
-          </a:p>
-        </p:txBody>
-      </p:sp>
-      <p:sp>
-        <p:nvSpPr>
-          <p:cNvPr id="488450" name="Rectangle 2"/>
-          <p:cNvSpPr>
-            <a:spLocks noGrp="1" noRot="1" noChangeAspect="1" noChangeArrowheads="1" noTextEdit="1"/>
-          </p:cNvSpPr>
-          <p:nvPr>
-            <p:ph type="sldImg"/>
-          </p:nvPr>
-        </p:nvSpPr>
-        <p:spPr>
-          <a:ln/>
-        </p:spPr>
-      </p:sp>
-      <p:sp>
-        <p:nvSpPr>
-          <p:cNvPr id="488451" name="Rectangle 3"/>
-          <p:cNvSpPr>
-            <a:spLocks noGrp="1" noChangeArrowheads="1"/>
-          </p:cNvSpPr>
-          <p:nvPr>
-            <p:ph type="body" idx="1"/>
-          </p:nvPr>
-        </p:nvSpPr>
-        <p:spPr/>
-        <p:txBody>
-          <a:bodyPr/>
-          <a:lstStyle/>
-          <a:p>
-            <a:endParaRPr lang="bg-BG"/>
-          </a:p>
-        </p:txBody>
-      </p:sp>
-      <p:sp>
-        <p:nvSpPr>
-          <p:cNvPr id="7" name="Footer Placeholder 7">
-            <a:extLst>
-              <a:ext uri="{FF2B5EF4-FFF2-40B4-BE49-F238E27FC236}">
-                <a16:creationId xmlns:a16="http://schemas.microsoft.com/office/drawing/2014/main" id="{7E1AB1AF-778F-47C9-9C37-4A08E88A1018}"/>
-              </a:ext>
-            </a:extLst>
-          </p:cNvPr>
-          <p:cNvSpPr>
-            <a:spLocks noGrp="1"/>
-          </p:cNvSpPr>
-          <p:nvPr>
-            <p:ph type="ftr" sz="quarter" idx="4"/>
-          </p:nvPr>
-        </p:nvSpPr>
-        <p:spPr>
-          <a:xfrm>
-            <a:off x="-1" y="8847000"/>
-            <a:ext cx="6488999" cy="297000"/>
-          </a:xfrm>
-          <a:prstGeom prst="rect">
-            <a:avLst/>
-          </a:prstGeom>
-        </p:spPr>
-        <p:txBody>
-          <a:bodyPr vert="horz" lIns="91440" tIns="45720" rIns="91440" bIns="45720" rtlCol="0" anchor="b"/>
-          <a:lstStyle>
-            <a:lvl1pPr algn="l">
-              <a:defRPr sz="1100"/>
-            </a:lvl1pPr>
-          </a:lstStyle>
-          <a:p>
-            <a:r>
-              <a:rPr lang="en-US" dirty="0"/>
-              <a:t>© SoftUni – </a:t>
-            </a:r>
-            <a:r>
-              <a:rPr lang="en-US" u="sng" dirty="0">
-                <a:hlinkClick r:id="rId3"/>
-              </a:rPr>
-              <a:t>https://softuni.org</a:t>
-            </a:r>
-            <a:r>
-              <a:rPr lang="en-US" dirty="0"/>
-              <a:t>. Copyrighted document. Unauthorized copy or reproduction is not permitted.</a:t>
-            </a:r>
-          </a:p>
-        </p:txBody>
-      </p:sp>
-    </p:spTree>
-    <p:extLst>
-      <p:ext uri="{BB962C8B-B14F-4D97-AF65-F5344CB8AC3E}">
-        <p14:creationId xmlns:p14="http://schemas.microsoft.com/office/powerpoint/2010/main" val="1413916732"/>
       </p:ext>
     </p:extLst>
   </p:cSld>
@@ -2052,7 +2021,7 @@
             <a:fld id="{4E577010-E72C-43E2-A3EA-4608701522CE}" type="slidenum">
               <a:rPr lang="en-US"/>
               <a:pPr/>
-              <a:t>28</a:t>
+              <a:t>22</a:t>
             </a:fld>
             <a:r>
               <a:rPr lang="en-US" dirty="0"/>
@@ -2147,6 +2116,172 @@
     </p:spTree>
     <p:extLst>
       <p:ext uri="{BB962C8B-B14F-4D97-AF65-F5344CB8AC3E}">
+        <p14:creationId xmlns:p14="http://schemas.microsoft.com/office/powerpoint/2010/main" val="1413916732"/>
+      </p:ext>
+    </p:extLst>
+  </p:cSld>
+  <p:clrMapOvr>
+    <a:masterClrMapping/>
+  </p:clrMapOvr>
+</p:notes>
+</file>
+
+<file path=ppt/notesSlides/notesSlide18.xml><?xml version="1.0" encoding="utf-8"?>
+<p:notes xmlns:a="http://schemas.openxmlformats.org/drawingml/2006/main" xmlns:r="http://schemas.openxmlformats.org/officeDocument/2006/relationships" xmlns:p="http://schemas.openxmlformats.org/presentationml/2006/main">
+  <p:cSld>
+    <p:spTree>
+      <p:nvGrpSpPr>
+        <p:cNvPr id="1" name=""/>
+        <p:cNvGrpSpPr/>
+        <p:nvPr/>
+      </p:nvGrpSpPr>
+      <p:grpSpPr>
+        <a:xfrm>
+          <a:off x="0" y="0"/>
+          <a:ext cx="0" cy="0"/>
+          <a:chOff x="0" y="0"/>
+          <a:chExt cx="0" cy="0"/>
+        </a:xfrm>
+      </p:grpSpPr>
+      <p:sp>
+        <p:nvSpPr>
+          <p:cNvPr id="4" name="Rectangle 2"/>
+          <p:cNvSpPr>
+            <a:spLocks noGrp="1" noChangeArrowheads="1"/>
+          </p:cNvSpPr>
+          <p:nvPr>
+            <p:ph type="hdr" sz="quarter"/>
+          </p:nvPr>
+        </p:nvSpPr>
+        <p:spPr>
+          <a:ln/>
+        </p:spPr>
+        <p:txBody>
+          <a:bodyPr/>
+          <a:lstStyle/>
+          <a:p>
+            <a:r>
+              <a:rPr lang="en-US" dirty="0"/>
+              <a:t>*</a:t>
+            </a:r>
+          </a:p>
+        </p:txBody>
+      </p:sp>
+      <p:sp>
+        <p:nvSpPr>
+          <p:cNvPr id="6" name="Rectangle 7"/>
+          <p:cNvSpPr>
+            <a:spLocks noGrp="1" noChangeArrowheads="1"/>
+          </p:cNvSpPr>
+          <p:nvPr>
+            <p:ph type="sldNum" sz="quarter" idx="5"/>
+          </p:nvPr>
+        </p:nvSpPr>
+        <p:spPr>
+          <a:ln/>
+        </p:spPr>
+        <p:txBody>
+          <a:bodyPr/>
+          <a:lstStyle/>
+          <a:p>
+            <a:fld id="{4E577010-E72C-43E2-A3EA-4608701522CE}" type="slidenum">
+              <a:rPr lang="en-US"/>
+              <a:pPr/>
+              <a:t>28</a:t>
+            </a:fld>
+            <a:r>
+              <a:rPr lang="en-US" dirty="0"/>
+              <a:t>##</a:t>
+            </a:r>
+          </a:p>
+        </p:txBody>
+      </p:sp>
+      <p:sp>
+        <p:nvSpPr>
+          <p:cNvPr id="488450" name="Rectangle 2"/>
+          <p:cNvSpPr>
+            <a:spLocks noGrp="1" noRot="1" noChangeAspect="1" noChangeArrowheads="1" noTextEdit="1"/>
+          </p:cNvSpPr>
+          <p:nvPr>
+            <p:ph type="sldImg"/>
+          </p:nvPr>
+        </p:nvSpPr>
+        <p:spPr>
+          <a:ln/>
+        </p:spPr>
+      </p:sp>
+      <p:sp>
+        <p:nvSpPr>
+          <p:cNvPr id="488451" name="Rectangle 3"/>
+          <p:cNvSpPr>
+            <a:spLocks noGrp="1" noChangeArrowheads="1"/>
+          </p:cNvSpPr>
+          <p:nvPr>
+            <p:ph type="body" idx="1"/>
+          </p:nvPr>
+        </p:nvSpPr>
+        <p:spPr/>
+        <p:txBody>
+          <a:bodyPr/>
+          <a:lstStyle/>
+          <a:p>
+            <a:endParaRPr lang="bg-BG"/>
+          </a:p>
+        </p:txBody>
+      </p:sp>
+      <p:sp>
+        <p:nvSpPr>
+          <p:cNvPr id="7" name="Footer Placeholder 7">
+            <a:extLst>
+              <a:ext uri="{FF2B5EF4-FFF2-40B4-BE49-F238E27FC236}">
+                <a16:creationId xmlns:a16="http://schemas.microsoft.com/office/drawing/2014/main" id="{7E1AB1AF-778F-47C9-9C37-4A08E88A1018}"/>
+              </a:ext>
+            </a:extLst>
+          </p:cNvPr>
+          <p:cNvSpPr>
+            <a:spLocks noGrp="1"/>
+          </p:cNvSpPr>
+          <p:nvPr>
+            <p:ph type="ftr" sz="quarter" idx="4"/>
+          </p:nvPr>
+        </p:nvSpPr>
+        <p:spPr>
+          <a:xfrm>
+            <a:off x="-1" y="8847000"/>
+            <a:ext cx="6488999" cy="297000"/>
+          </a:xfrm>
+          <a:prstGeom prst="rect">
+            <a:avLst/>
+          </a:prstGeom>
+        </p:spPr>
+        <p:txBody>
+          <a:bodyPr vert="horz" lIns="91440" tIns="45720" rIns="91440" bIns="45720" rtlCol="0" anchor="b"/>
+          <a:lstStyle>
+            <a:lvl1pPr algn="l">
+              <a:defRPr sz="1100"/>
+            </a:lvl1pPr>
+          </a:lstStyle>
+          <a:p>
+            <a:r>
+              <a:rPr lang="en-US" dirty="0"/>
+              <a:t>© SoftUni – </a:t>
+            </a:r>
+            <a:r>
+              <a:rPr lang="en-US" u="sng" dirty="0">
+                <a:hlinkClick r:id="rId3"/>
+              </a:rPr>
+              <a:t>https://softuni.org</a:t>
+            </a:r>
+            <a:r>
+              <a:rPr lang="en-US" dirty="0"/>
+              <a:t>. Copyrighted document. Unauthorized copy or reproduction is not permitted.</a:t>
+            </a:r>
+          </a:p>
+        </p:txBody>
+      </p:sp>
+    </p:spTree>
+    <p:extLst>
+      <p:ext uri="{BB962C8B-B14F-4D97-AF65-F5344CB8AC3E}">
         <p14:creationId xmlns:p14="http://schemas.microsoft.com/office/powerpoint/2010/main" val="1457252772"/>
       </p:ext>
     </p:extLst>
@@ -2157,7 +2292,7 @@
 </p:notes>
 </file>
 
-<file path=ppt/notesSlides/notesSlide18.xml><?xml version="1.0" encoding="utf-8"?>
+<file path=ppt/notesSlides/notesSlide19.xml><?xml version="1.0" encoding="utf-8"?>
 <p:notes xmlns:a="http://schemas.openxmlformats.org/drawingml/2006/main" xmlns:r="http://schemas.openxmlformats.org/officeDocument/2006/relationships" xmlns:p="http://schemas.openxmlformats.org/presentationml/2006/main">
   <p:cSld>
     <p:spTree>
@@ -2283,141 +2418,6 @@
     <p:extLst>
       <p:ext uri="{BB962C8B-B14F-4D97-AF65-F5344CB8AC3E}">
         <p14:creationId xmlns:p14="http://schemas.microsoft.com/office/powerpoint/2010/main" val="1787509145"/>
-      </p:ext>
-    </p:extLst>
-  </p:cSld>
-  <p:clrMapOvr>
-    <a:masterClrMapping/>
-  </p:clrMapOvr>
-</p:notes>
-</file>
-
-<file path=ppt/notesSlides/notesSlide19.xml><?xml version="1.0" encoding="utf-8"?>
-<p:notes xmlns:a="http://schemas.openxmlformats.org/drawingml/2006/main" xmlns:r="http://schemas.openxmlformats.org/officeDocument/2006/relationships" xmlns:p="http://schemas.openxmlformats.org/presentationml/2006/main">
-  <p:cSld>
-    <p:spTree>
-      <p:nvGrpSpPr>
-        <p:cNvPr id="1" name=""/>
-        <p:cNvGrpSpPr/>
-        <p:nvPr/>
-      </p:nvGrpSpPr>
-      <p:grpSpPr>
-        <a:xfrm>
-          <a:off x="0" y="0"/>
-          <a:ext cx="0" cy="0"/>
-          <a:chOff x="0" y="0"/>
-          <a:chExt cx="0" cy="0"/>
-        </a:xfrm>
-      </p:grpSpPr>
-      <p:sp>
-        <p:nvSpPr>
-          <p:cNvPr id="2" name="Контейнер за изображение на слайда 1"/>
-          <p:cNvSpPr>
-            <a:spLocks noGrp="1" noRot="1" noChangeAspect="1"/>
-          </p:cNvSpPr>
-          <p:nvPr>
-            <p:ph type="sldImg"/>
-          </p:nvPr>
-        </p:nvSpPr>
-        <p:spPr/>
-      </p:sp>
-      <p:sp>
-        <p:nvSpPr>
-          <p:cNvPr id="3" name="Контейнер за бележки 2"/>
-          <p:cNvSpPr>
-            <a:spLocks noGrp="1"/>
-          </p:cNvSpPr>
-          <p:nvPr>
-            <p:ph type="body" idx="1"/>
-          </p:nvPr>
-        </p:nvSpPr>
-        <p:spPr/>
-        <p:txBody>
-          <a:bodyPr/>
-          <a:lstStyle/>
-          <a:p>
-            <a:endParaRPr lang="en-US" dirty="0"/>
-          </a:p>
-        </p:txBody>
-      </p:sp>
-      <p:sp>
-        <p:nvSpPr>
-          <p:cNvPr id="5" name="Контейнер за номер на слайда 4"/>
-          <p:cNvSpPr>
-            <a:spLocks noGrp="1"/>
-          </p:cNvSpPr>
-          <p:nvPr>
-            <p:ph type="sldNum" sz="quarter" idx="11"/>
-          </p:nvPr>
-        </p:nvSpPr>
-        <p:spPr/>
-        <p:txBody>
-          <a:bodyPr/>
-          <a:lstStyle/>
-          <a:p>
-            <a:fld id="{3EBA5BD7-F043-4D1B-AA17-CD412FC534DE}" type="slidenum">
-              <a:rPr lang="en-US" smtClean="0"/>
-              <a:pPr/>
-              <a:t>35</a:t>
-            </a:fld>
-            <a:endParaRPr lang="en-US" dirty="0"/>
-          </a:p>
-        </p:txBody>
-      </p:sp>
-      <p:sp>
-        <p:nvSpPr>
-          <p:cNvPr id="6" name="Footer Placeholder 7">
-            <a:extLst>
-              <a:ext uri="{FF2B5EF4-FFF2-40B4-BE49-F238E27FC236}">
-                <a16:creationId xmlns:a16="http://schemas.microsoft.com/office/drawing/2014/main" id="{84632975-0E20-4A29-BDE4-8AB301E8CC03}"/>
-              </a:ext>
-            </a:extLst>
-          </p:cNvPr>
-          <p:cNvSpPr>
-            <a:spLocks noGrp="1"/>
-          </p:cNvSpPr>
-          <p:nvPr>
-            <p:ph type="ftr" sz="quarter" idx="4"/>
-          </p:nvPr>
-        </p:nvSpPr>
-        <p:spPr>
-          <a:xfrm>
-            <a:off x="-1" y="8847000"/>
-            <a:ext cx="6488999" cy="297000"/>
-          </a:xfrm>
-          <a:prstGeom prst="rect">
-            <a:avLst/>
-          </a:prstGeom>
-        </p:spPr>
-        <p:txBody>
-          <a:bodyPr vert="horz" lIns="91440" tIns="45720" rIns="91440" bIns="45720" rtlCol="0" anchor="b"/>
-          <a:lstStyle>
-            <a:lvl1pPr algn="l">
-              <a:defRPr sz="1100"/>
-            </a:lvl1pPr>
-          </a:lstStyle>
-          <a:p>
-            <a:r>
-              <a:rPr lang="en-US" dirty="0"/>
-              <a:t>© SoftUni – </a:t>
-            </a:r>
-            <a:r>
-              <a:rPr lang="en-US" u="sng" dirty="0">
-                <a:hlinkClick r:id="rId3"/>
-              </a:rPr>
-              <a:t>https://softuni.org</a:t>
-            </a:r>
-            <a:r>
-              <a:rPr lang="en-US" dirty="0"/>
-              <a:t>. Copyrighted document. Unauthorized copy or reproduction is not permitted.</a:t>
-            </a:r>
-          </a:p>
-        </p:txBody>
-      </p:sp>
-    </p:spTree>
-    <p:extLst>
-      <p:ext uri="{BB962C8B-B14F-4D97-AF65-F5344CB8AC3E}">
-        <p14:creationId xmlns:p14="http://schemas.microsoft.com/office/powerpoint/2010/main" val="1817487431"/>
       </p:ext>
     </p:extLst>
   </p:cSld>
@@ -2473,7 +2473,639 @@
           <a:bodyPr/>
           <a:lstStyle/>
           <a:p>
+            <a:r>
+              <a:rPr lang="bg-BG" dirty="0"/>
+              <a:t>Няма презентация и за тези:</a:t>
+            </a:r>
+          </a:p>
+          <a:p>
             <a:endParaRPr lang="bg-BG" dirty="0"/>
+          </a:p>
+          <a:p>
+            <a:r>
+              <a:rPr lang="bg-BG" dirty="0"/>
+              <a:t>0. Променливи, Условни оператори, Цикли</a:t>
+            </a:r>
+            <a:endParaRPr lang="en-US" dirty="0"/>
+          </a:p>
+          <a:p>
+            <a:endParaRPr lang="en-US" dirty="0"/>
+          </a:p>
+          <a:p>
+            <a:r>
+              <a:rPr lang="bg-BG" dirty="0"/>
+              <a:t>-- Променливи</a:t>
+            </a:r>
+          </a:p>
+          <a:p>
+            <a:pPr marL="171450" indent="-171450">
+              <a:buFont typeface="Symbol" panose="05050102010706020507" pitchFamily="18" charset="2"/>
+              <a:buChar char="Þ"/>
+            </a:pPr>
+            <a:r>
+              <a:rPr lang="en-US" dirty="0"/>
+              <a:t>DECLARE(</a:t>
+            </a:r>
+            <a:r>
+              <a:rPr lang="bg-BG" dirty="0"/>
+              <a:t>ключова дума) @</a:t>
+            </a:r>
+            <a:r>
+              <a:rPr lang="en-US" dirty="0"/>
+              <a:t>Year(</a:t>
+            </a:r>
+            <a:r>
+              <a:rPr lang="bg-BG" dirty="0"/>
+              <a:t>името на променливата</a:t>
+            </a:r>
+            <a:r>
+              <a:rPr lang="en-US" dirty="0"/>
+              <a:t>)</a:t>
+            </a:r>
+            <a:r>
+              <a:rPr lang="bg-BG" dirty="0"/>
+              <a:t> </a:t>
+            </a:r>
+            <a:r>
+              <a:rPr lang="en-US" dirty="0"/>
+              <a:t>SMALLINT(</a:t>
+            </a:r>
+            <a:r>
+              <a:rPr lang="bg-BG" dirty="0"/>
+              <a:t>типа на променливата)</a:t>
+            </a:r>
+            <a:r>
+              <a:rPr lang="en-US" dirty="0"/>
+              <a:t> = 2021</a:t>
+            </a:r>
+          </a:p>
+          <a:p>
+            <a:pPr marL="0" indent="0">
+              <a:buFont typeface="Symbol" panose="05050102010706020507" pitchFamily="18" charset="2"/>
+              <a:buNone/>
+            </a:pPr>
+            <a:r>
+              <a:rPr lang="bg-BG" dirty="0"/>
+              <a:t>Накратко : </a:t>
+            </a:r>
+            <a:r>
+              <a:rPr lang="en-US" dirty="0"/>
+              <a:t>DECLATE @Year SMALLINT = 2020;</a:t>
+            </a:r>
+          </a:p>
+          <a:p>
+            <a:pPr marL="0" indent="0">
+              <a:buFont typeface="Symbol" panose="05050102010706020507" pitchFamily="18" charset="2"/>
+              <a:buNone/>
+            </a:pPr>
+            <a:endParaRPr lang="en-US" dirty="0"/>
+          </a:p>
+          <a:p>
+            <a:pPr marL="0" indent="0">
+              <a:buFont typeface="Symbol" panose="05050102010706020507" pitchFamily="18" charset="2"/>
+              <a:buNone/>
+            </a:pPr>
+            <a:r>
+              <a:rPr lang="bg-BG" dirty="0"/>
+              <a:t>Променяне на променлива</a:t>
+            </a:r>
+          </a:p>
+          <a:p>
+            <a:pPr marL="171450" indent="-171450">
+              <a:buFont typeface="Symbol" panose="05050102010706020507" pitchFamily="18" charset="2"/>
+              <a:buChar char="Þ"/>
+            </a:pPr>
+            <a:r>
+              <a:rPr lang="en-US" dirty="0"/>
+              <a:t>SET @Year = 2021;</a:t>
+            </a:r>
+          </a:p>
+          <a:p>
+            <a:pPr marL="171450" indent="-171450">
+              <a:buFont typeface="Symbol" panose="05050102010706020507" pitchFamily="18" charset="2"/>
+              <a:buChar char="Þ"/>
+            </a:pPr>
+            <a:endParaRPr lang="en-US" dirty="0"/>
+          </a:p>
+          <a:p>
+            <a:pPr marL="0" indent="0">
+              <a:buFont typeface="Symbol" panose="05050102010706020507" pitchFamily="18" charset="2"/>
+              <a:buNone/>
+            </a:pPr>
+            <a:r>
+              <a:rPr lang="en-US" dirty="0"/>
+              <a:t>DECLARE @MyTempTable TABLE(ID INT PRIMARY KEY IDENTITY, Name NVARCHAR(MAX)) </a:t>
+            </a:r>
+          </a:p>
+          <a:p>
+            <a:pPr marL="0" indent="0">
+              <a:buFont typeface="Symbol" panose="05050102010706020507" pitchFamily="18" charset="2"/>
+              <a:buNone/>
+            </a:pPr>
+            <a:r>
+              <a:rPr lang="en-US" dirty="0"/>
+              <a:t>INSERT INTO @MyTempTable (Name) VALUES ('Eray’) </a:t>
+            </a:r>
+          </a:p>
+          <a:p>
+            <a:pPr marL="0" indent="0">
+              <a:buFont typeface="Symbol" panose="05050102010706020507" pitchFamily="18" charset="2"/>
+              <a:buNone/>
+            </a:pPr>
+            <a:r>
+              <a:rPr lang="en-US" dirty="0"/>
+              <a:t>SELECT * FROM @MyTempTable</a:t>
+            </a:r>
+            <a:endParaRPr lang="bg-BG" dirty="0"/>
+          </a:p>
+          <a:p>
+            <a:pPr marL="0" indent="0">
+              <a:buFont typeface="Symbol" panose="05050102010706020507" pitchFamily="18" charset="2"/>
+              <a:buNone/>
+            </a:pPr>
+            <a:endParaRPr lang="bg-BG" dirty="0"/>
+          </a:p>
+          <a:p>
+            <a:pPr marL="0" indent="0">
+              <a:buFont typeface="Symbol" panose="05050102010706020507" pitchFamily="18" charset="2"/>
+              <a:buNone/>
+            </a:pPr>
+            <a:r>
+              <a:rPr lang="bg-BG" dirty="0"/>
+              <a:t>-- Условни оператори</a:t>
+            </a:r>
+          </a:p>
+          <a:p>
+            <a:pPr marL="0" indent="0">
+              <a:buFont typeface="Symbol" panose="05050102010706020507" pitchFamily="18" charset="2"/>
+              <a:buNone/>
+            </a:pPr>
+            <a:r>
+              <a:rPr lang="en-US" dirty="0"/>
+              <a:t>IF YEAR(GETDATE()) = 2021</a:t>
+            </a:r>
+          </a:p>
+          <a:p>
+            <a:pPr marL="0" indent="0">
+              <a:buFont typeface="Symbol" panose="05050102010706020507" pitchFamily="18" charset="2"/>
+              <a:buNone/>
+            </a:pPr>
+            <a:r>
+              <a:rPr lang="en-US" dirty="0"/>
+              <a:t>    SET @Year = 2021</a:t>
+            </a:r>
+          </a:p>
+          <a:p>
+            <a:pPr marL="0" indent="0">
+              <a:buFont typeface="Symbol" panose="05050102010706020507" pitchFamily="18" charset="2"/>
+              <a:buNone/>
+            </a:pPr>
+            <a:r>
+              <a:rPr lang="en-US" dirty="0"/>
+              <a:t>ELSE IF YEAR(GETDATE()) = 2022</a:t>
+            </a:r>
+          </a:p>
+          <a:p>
+            <a:pPr marL="0" indent="0">
+              <a:buFont typeface="Symbol" panose="05050102010706020507" pitchFamily="18" charset="2"/>
+              <a:buNone/>
+            </a:pPr>
+            <a:r>
+              <a:rPr lang="en-US" dirty="0"/>
+              <a:t>    SET @Year = 2022</a:t>
+            </a:r>
+          </a:p>
+          <a:p>
+            <a:pPr marL="0" indent="0">
+              <a:buFont typeface="Symbol" panose="05050102010706020507" pitchFamily="18" charset="2"/>
+              <a:buNone/>
+            </a:pPr>
+            <a:r>
+              <a:rPr lang="en-US" dirty="0"/>
+              <a:t>ELSE</a:t>
+            </a:r>
+          </a:p>
+          <a:p>
+            <a:pPr marL="0" marR="0" lvl="0" indent="0" algn="l" defTabSz="914400" rtl="0" eaLnBrk="1" fontAlgn="auto" latinLnBrk="0" hangingPunct="1">
+              <a:lnSpc>
+                <a:spcPct val="100000"/>
+              </a:lnSpc>
+              <a:spcBef>
+                <a:spcPts val="0"/>
+              </a:spcBef>
+              <a:spcAft>
+                <a:spcPts val="0"/>
+              </a:spcAft>
+              <a:buClrTx/>
+              <a:buSzTx/>
+              <a:buFont typeface="Symbol" panose="05050102010706020507" pitchFamily="18" charset="2"/>
+              <a:buNone/>
+              <a:tabLst/>
+              <a:defRPr/>
+            </a:pPr>
+            <a:r>
+              <a:rPr lang="en-US" dirty="0"/>
+              <a:t>    SET @Year = -2000</a:t>
+            </a:r>
+          </a:p>
+          <a:p>
+            <a:pPr marL="0" marR="0" lvl="0" indent="0" algn="l" defTabSz="914400" rtl="0" eaLnBrk="1" fontAlgn="auto" latinLnBrk="0" hangingPunct="1">
+              <a:lnSpc>
+                <a:spcPct val="100000"/>
+              </a:lnSpc>
+              <a:spcBef>
+                <a:spcPts val="0"/>
+              </a:spcBef>
+              <a:spcAft>
+                <a:spcPts val="0"/>
+              </a:spcAft>
+              <a:buClrTx/>
+              <a:buSzTx/>
+              <a:buFont typeface="Symbol" panose="05050102010706020507" pitchFamily="18" charset="2"/>
+              <a:buNone/>
+              <a:tabLst/>
+              <a:defRPr/>
+            </a:pPr>
+            <a:endParaRPr lang="en-US" dirty="0"/>
+          </a:p>
+          <a:p>
+            <a:pPr marL="0" marR="0" lvl="0" indent="0" algn="l" defTabSz="914400" rtl="0" eaLnBrk="1" fontAlgn="auto" latinLnBrk="0" hangingPunct="1">
+              <a:lnSpc>
+                <a:spcPct val="100000"/>
+              </a:lnSpc>
+              <a:spcBef>
+                <a:spcPts val="0"/>
+              </a:spcBef>
+              <a:spcAft>
+                <a:spcPts val="0"/>
+              </a:spcAft>
+              <a:buClrTx/>
+              <a:buSzTx/>
+              <a:buFont typeface="Symbol" panose="05050102010706020507" pitchFamily="18" charset="2"/>
+              <a:buNone/>
+              <a:tabLst/>
+              <a:defRPr/>
+            </a:pPr>
+            <a:r>
+              <a:rPr lang="en-US" dirty="0"/>
+              <a:t>BEGIN – END</a:t>
+            </a:r>
+          </a:p>
+          <a:p>
+            <a:pPr marL="171450" marR="0" lvl="0" indent="-171450" algn="l" defTabSz="914400" rtl="0" eaLnBrk="1" fontAlgn="auto" latinLnBrk="0" hangingPunct="1">
+              <a:lnSpc>
+                <a:spcPct val="100000"/>
+              </a:lnSpc>
+              <a:spcBef>
+                <a:spcPts val="0"/>
+              </a:spcBef>
+              <a:spcAft>
+                <a:spcPts val="0"/>
+              </a:spcAft>
+              <a:buClrTx/>
+              <a:buSzTx/>
+              <a:buFont typeface="Symbol" panose="05050102010706020507" pitchFamily="18" charset="2"/>
+              <a:buChar char="Þ"/>
+              <a:tabLst/>
+              <a:defRPr/>
+            </a:pPr>
+            <a:r>
+              <a:rPr lang="bg-BG" dirty="0"/>
+              <a:t>Се използва когато имаме повече от 1 ред, ако </a:t>
+            </a:r>
+            <a:r>
+              <a:rPr lang="en-US" dirty="0"/>
+              <a:t>IF </a:t>
+            </a:r>
+            <a:r>
+              <a:rPr lang="bg-BG" dirty="0"/>
+              <a:t>проверката се случи, защото базата не знае, кодът къде започва и къде завършва</a:t>
+            </a:r>
+          </a:p>
+          <a:p>
+            <a:pPr marL="0" indent="0">
+              <a:buFont typeface="Symbol" panose="05050102010706020507" pitchFamily="18" charset="2"/>
+              <a:buNone/>
+            </a:pPr>
+            <a:r>
+              <a:rPr lang="en-US" dirty="0"/>
+              <a:t>IF YEAR(GETDATE()) = 2021</a:t>
+            </a:r>
+            <a:endParaRPr lang="bg-BG" dirty="0"/>
+          </a:p>
+          <a:p>
+            <a:pPr marL="0" indent="0">
+              <a:buFont typeface="Symbol" panose="05050102010706020507" pitchFamily="18" charset="2"/>
+              <a:buNone/>
+            </a:pPr>
+            <a:r>
+              <a:rPr lang="en-US" dirty="0"/>
+              <a:t>BEGIN </a:t>
+            </a:r>
+          </a:p>
+          <a:p>
+            <a:pPr marL="0" indent="0">
+              <a:buFont typeface="Symbol" panose="05050102010706020507" pitchFamily="18" charset="2"/>
+              <a:buNone/>
+            </a:pPr>
+            <a:r>
+              <a:rPr lang="en-US" dirty="0"/>
+              <a:t>    SET @Year = 2021</a:t>
+            </a:r>
+            <a:endParaRPr lang="bg-BG" dirty="0"/>
+          </a:p>
+          <a:p>
+            <a:pPr marL="0" indent="0">
+              <a:buFont typeface="Symbol" panose="05050102010706020507" pitchFamily="18" charset="2"/>
+              <a:buNone/>
+            </a:pPr>
+            <a:r>
+              <a:rPr lang="bg-BG" dirty="0"/>
+              <a:t>  </a:t>
+            </a:r>
+            <a:r>
+              <a:rPr lang="en-US" dirty="0"/>
+              <a:t> </a:t>
+            </a:r>
+            <a:r>
+              <a:rPr lang="bg-BG" dirty="0"/>
+              <a:t> </a:t>
+            </a:r>
+            <a:r>
+              <a:rPr lang="en-US" dirty="0"/>
+              <a:t>SET @Month = 2</a:t>
+            </a:r>
+            <a:endParaRPr lang="bg-BG" dirty="0"/>
+          </a:p>
+          <a:p>
+            <a:pPr marL="0" indent="0">
+              <a:buFont typeface="Symbol" panose="05050102010706020507" pitchFamily="18" charset="2"/>
+              <a:buNone/>
+            </a:pPr>
+            <a:r>
+              <a:rPr lang="en-US" dirty="0"/>
+              <a:t>END</a:t>
+            </a:r>
+          </a:p>
+          <a:p>
+            <a:pPr marL="0" indent="0">
+              <a:buFont typeface="Symbol" panose="05050102010706020507" pitchFamily="18" charset="2"/>
+              <a:buNone/>
+            </a:pPr>
+            <a:r>
+              <a:rPr lang="en-US" dirty="0"/>
+              <a:t>ELSE IF YEAR(GETDATE()) = 2022</a:t>
+            </a:r>
+          </a:p>
+          <a:p>
+            <a:pPr marL="0" indent="0">
+              <a:buFont typeface="Symbol" panose="05050102010706020507" pitchFamily="18" charset="2"/>
+              <a:buNone/>
+            </a:pPr>
+            <a:r>
+              <a:rPr lang="en-US" dirty="0"/>
+              <a:t>    SET @Year = 2022</a:t>
+            </a:r>
+          </a:p>
+          <a:p>
+            <a:pPr marL="0" indent="0">
+              <a:buFont typeface="Symbol" panose="05050102010706020507" pitchFamily="18" charset="2"/>
+              <a:buNone/>
+            </a:pPr>
+            <a:r>
+              <a:rPr lang="en-US" dirty="0"/>
+              <a:t>ELSE</a:t>
+            </a:r>
+          </a:p>
+          <a:p>
+            <a:pPr marL="0" marR="0" lvl="0" indent="0" algn="l" defTabSz="914400" rtl="0" eaLnBrk="1" fontAlgn="auto" latinLnBrk="0" hangingPunct="1">
+              <a:lnSpc>
+                <a:spcPct val="100000"/>
+              </a:lnSpc>
+              <a:spcBef>
+                <a:spcPts val="0"/>
+              </a:spcBef>
+              <a:spcAft>
+                <a:spcPts val="0"/>
+              </a:spcAft>
+              <a:buClrTx/>
+              <a:buSzTx/>
+              <a:buFont typeface="Symbol" panose="05050102010706020507" pitchFamily="18" charset="2"/>
+              <a:buNone/>
+              <a:tabLst/>
+              <a:defRPr/>
+            </a:pPr>
+            <a:r>
+              <a:rPr lang="en-US" dirty="0"/>
+              <a:t>    SET @Year = -2000</a:t>
+            </a:r>
+          </a:p>
+          <a:p>
+            <a:pPr marL="0" marR="0" lvl="0" indent="0" algn="l" defTabSz="914400" rtl="0" eaLnBrk="1" fontAlgn="auto" latinLnBrk="0" hangingPunct="1">
+              <a:lnSpc>
+                <a:spcPct val="100000"/>
+              </a:lnSpc>
+              <a:spcBef>
+                <a:spcPts val="0"/>
+              </a:spcBef>
+              <a:spcAft>
+                <a:spcPts val="0"/>
+              </a:spcAft>
+              <a:buClrTx/>
+              <a:buSzTx/>
+              <a:buFont typeface="Symbol" panose="05050102010706020507" pitchFamily="18" charset="2"/>
+              <a:buNone/>
+              <a:tabLst/>
+              <a:defRPr/>
+            </a:pPr>
+            <a:endParaRPr lang="en-US" dirty="0"/>
+          </a:p>
+          <a:p>
+            <a:pPr marL="0" marR="0" lvl="0" indent="0" algn="l" defTabSz="914400" rtl="0" eaLnBrk="1" fontAlgn="auto" latinLnBrk="0" hangingPunct="1">
+              <a:lnSpc>
+                <a:spcPct val="100000"/>
+              </a:lnSpc>
+              <a:spcBef>
+                <a:spcPts val="0"/>
+              </a:spcBef>
+              <a:spcAft>
+                <a:spcPts val="0"/>
+              </a:spcAft>
+              <a:buClrTx/>
+              <a:buSzTx/>
+              <a:buFont typeface="Symbol" panose="05050102010706020507" pitchFamily="18" charset="2"/>
+              <a:buNone/>
+              <a:tabLst/>
+              <a:defRPr/>
+            </a:pPr>
+            <a:endParaRPr lang="en-US" dirty="0"/>
+          </a:p>
+          <a:p>
+            <a:pPr marL="0" marR="0" lvl="0" indent="0" algn="l" defTabSz="914400" rtl="0" eaLnBrk="1" fontAlgn="auto" latinLnBrk="0" hangingPunct="1">
+              <a:lnSpc>
+                <a:spcPct val="100000"/>
+              </a:lnSpc>
+              <a:spcBef>
+                <a:spcPts val="0"/>
+              </a:spcBef>
+              <a:spcAft>
+                <a:spcPts val="0"/>
+              </a:spcAft>
+              <a:buClrTx/>
+              <a:buSzTx/>
+              <a:buFont typeface="Symbol" panose="05050102010706020507" pitchFamily="18" charset="2"/>
+              <a:buNone/>
+              <a:tabLst/>
+              <a:defRPr/>
+            </a:pPr>
+            <a:r>
+              <a:rPr lang="en-US" dirty="0"/>
+              <a:t>-- </a:t>
+            </a:r>
+            <a:r>
+              <a:rPr lang="bg-BG" dirty="0"/>
+              <a:t>Цикли</a:t>
+            </a:r>
+          </a:p>
+          <a:p>
+            <a:pPr marL="0" marR="0" lvl="0" indent="0" algn="l" defTabSz="914400" rtl="0" eaLnBrk="1" fontAlgn="auto" latinLnBrk="0" hangingPunct="1">
+              <a:lnSpc>
+                <a:spcPct val="100000"/>
+              </a:lnSpc>
+              <a:spcBef>
+                <a:spcPts val="0"/>
+              </a:spcBef>
+              <a:spcAft>
+                <a:spcPts val="0"/>
+              </a:spcAft>
+              <a:buClrTx/>
+              <a:buSzTx/>
+              <a:buFont typeface="Symbol" panose="05050102010706020507" pitchFamily="18" charset="2"/>
+              <a:buNone/>
+              <a:tabLst/>
+              <a:defRPr/>
+            </a:pPr>
+            <a:r>
+              <a:rPr lang="en-US" dirty="0"/>
+              <a:t>WHILE @Year &lt;= 2008 </a:t>
+            </a:r>
+            <a:endParaRPr lang="bg-BG" dirty="0"/>
+          </a:p>
+          <a:p>
+            <a:pPr marL="0" marR="0" lvl="0" indent="0" algn="l" defTabSz="914400" rtl="0" eaLnBrk="1" fontAlgn="auto" latinLnBrk="0" hangingPunct="1">
+              <a:lnSpc>
+                <a:spcPct val="100000"/>
+              </a:lnSpc>
+              <a:spcBef>
+                <a:spcPts val="0"/>
+              </a:spcBef>
+              <a:spcAft>
+                <a:spcPts val="0"/>
+              </a:spcAft>
+              <a:buClrTx/>
+              <a:buSzTx/>
+              <a:buFont typeface="Symbol" panose="05050102010706020507" pitchFamily="18" charset="2"/>
+              <a:buNone/>
+              <a:tabLst/>
+              <a:defRPr/>
+            </a:pPr>
+            <a:r>
+              <a:rPr lang="en-US" dirty="0"/>
+              <a:t>BEGIN </a:t>
+            </a:r>
+            <a:endParaRPr lang="bg-BG" dirty="0"/>
+          </a:p>
+          <a:p>
+            <a:pPr marL="0" marR="0" lvl="0" indent="0" algn="l" defTabSz="914400" rtl="0" eaLnBrk="1" fontAlgn="auto" latinLnBrk="0" hangingPunct="1">
+              <a:lnSpc>
+                <a:spcPct val="100000"/>
+              </a:lnSpc>
+              <a:spcBef>
+                <a:spcPts val="0"/>
+              </a:spcBef>
+              <a:spcAft>
+                <a:spcPts val="0"/>
+              </a:spcAft>
+              <a:buClrTx/>
+              <a:buSzTx/>
+              <a:buFont typeface="Symbol" panose="05050102010706020507" pitchFamily="18" charset="2"/>
+              <a:buNone/>
+              <a:tabLst/>
+              <a:defRPr/>
+            </a:pPr>
+            <a:r>
+              <a:rPr lang="bg-BG" dirty="0"/>
+              <a:t>    </a:t>
+            </a:r>
+            <a:r>
+              <a:rPr lang="en-US" dirty="0"/>
+              <a:t>SELECT @Year, Count(*) From Employees WHERE YEAR(</a:t>
+            </a:r>
+            <a:r>
+              <a:rPr lang="en-US" dirty="0" err="1"/>
+              <a:t>HireDate</a:t>
+            </a:r>
+            <a:r>
+              <a:rPr lang="en-US" dirty="0"/>
+              <a:t>) = @</a:t>
+            </a:r>
+            <a:r>
+              <a:rPr lang="en-US"/>
+              <a:t>Year </a:t>
+            </a:r>
+            <a:endParaRPr lang="bg-BG"/>
+          </a:p>
+          <a:p>
+            <a:pPr marL="0" marR="0" lvl="0" indent="0" algn="l" defTabSz="914400" rtl="0" eaLnBrk="1" fontAlgn="auto" latinLnBrk="0" hangingPunct="1">
+              <a:lnSpc>
+                <a:spcPct val="100000"/>
+              </a:lnSpc>
+              <a:spcBef>
+                <a:spcPts val="0"/>
+              </a:spcBef>
+              <a:spcAft>
+                <a:spcPts val="0"/>
+              </a:spcAft>
+              <a:buClrTx/>
+              <a:buSzTx/>
+              <a:buFont typeface="Symbol" panose="05050102010706020507" pitchFamily="18" charset="2"/>
+              <a:buNone/>
+              <a:tabLst/>
+              <a:defRPr/>
+            </a:pPr>
+            <a:r>
+              <a:rPr lang="bg-BG"/>
+              <a:t>    </a:t>
+            </a:r>
+            <a:r>
+              <a:rPr lang="en-US"/>
+              <a:t>SET @Year = @Year + 1 </a:t>
+            </a:r>
+            <a:endParaRPr lang="bg-BG"/>
+          </a:p>
+          <a:p>
+            <a:pPr marL="0" marR="0" lvl="0" indent="0" algn="l" defTabSz="914400" rtl="0" eaLnBrk="1" fontAlgn="auto" latinLnBrk="0" hangingPunct="1">
+              <a:lnSpc>
+                <a:spcPct val="100000"/>
+              </a:lnSpc>
+              <a:spcBef>
+                <a:spcPts val="0"/>
+              </a:spcBef>
+              <a:spcAft>
+                <a:spcPts val="0"/>
+              </a:spcAft>
+              <a:buClrTx/>
+              <a:buSzTx/>
+              <a:buFont typeface="Symbol" panose="05050102010706020507" pitchFamily="18" charset="2"/>
+              <a:buNone/>
+              <a:tabLst/>
+              <a:defRPr/>
+            </a:pPr>
+            <a:r>
+              <a:rPr lang="en-US"/>
+              <a:t>END</a:t>
+            </a:r>
+            <a:endParaRPr lang="en-US" dirty="0"/>
           </a:p>
         </p:txBody>
       </p:sp>
@@ -2583,7 +3215,7 @@
       </p:grpSpPr>
       <p:sp>
         <p:nvSpPr>
-          <p:cNvPr id="2" name="Slide Image Placeholder 1"/>
+          <p:cNvPr id="2" name="Контейнер за изображение на слайда 1"/>
           <p:cNvSpPr>
             <a:spLocks noGrp="1" noRot="1" noChangeAspect="1"/>
           </p:cNvSpPr>
@@ -2595,7 +3227,7 @@
       </p:sp>
       <p:sp>
         <p:nvSpPr>
-          <p:cNvPr id="3" name="Notes Placeholder 2"/>
+          <p:cNvPr id="3" name="Контейнер за бележки 2"/>
           <p:cNvSpPr>
             <a:spLocks noGrp="1"/>
           </p:cNvSpPr>
@@ -2614,7 +3246,7 @@
       </p:sp>
       <p:sp>
         <p:nvSpPr>
-          <p:cNvPr id="5" name="Slide Number Placeholder 4"/>
+          <p:cNvPr id="5" name="Контейнер за номер на слайда 4"/>
           <p:cNvSpPr>
             <a:spLocks noGrp="1"/>
           </p:cNvSpPr>
@@ -2627,71 +3259,12 @@
           <a:bodyPr/>
           <a:lstStyle/>
           <a:p>
-            <a:pPr marL="0" marR="0" lvl="0" indent="0" algn="r" defTabSz="914400" rtl="0" eaLnBrk="1" fontAlgn="auto" latinLnBrk="0" hangingPunct="1">
-              <a:lnSpc>
-                <a:spcPct val="100000"/>
-              </a:lnSpc>
-              <a:spcBef>
-                <a:spcPts val="0"/>
-              </a:spcBef>
-              <a:spcAft>
-                <a:spcPts val="0"/>
-              </a:spcAft>
-              <a:buClrTx/>
-              <a:buSzTx/>
-              <a:buFontTx/>
-              <a:buNone/>
-              <a:tabLst/>
-              <a:defRPr/>
-            </a:pPr>
             <a:fld id="{3EBA5BD7-F043-4D1B-AA17-CD412FC534DE}" type="slidenum">
-              <a:rPr kumimoji="0" lang="en-US" sz="1200" b="0" i="0" u="none" strike="noStrike" kern="1200" cap="none" spc="0" normalizeH="0" baseline="0" noProof="0" smtClean="0">
-                <a:ln>
-                  <a:noFill/>
-                </a:ln>
-                <a:solidFill>
-                  <a:prstClr val="black"/>
-                </a:solidFill>
-                <a:effectLst/>
-                <a:uLnTx/>
-                <a:uFillTx/>
-                <a:latin typeface="Calibri" panose="020F0502020204030204"/>
-                <a:ea typeface="+mn-ea"/>
-                <a:cs typeface="+mn-cs"/>
-              </a:rPr>
-              <a:pPr marL="0" marR="0" lvl="0" indent="0" algn="r" defTabSz="914400" rtl="0" eaLnBrk="1" fontAlgn="auto" latinLnBrk="0" hangingPunct="1">
-                <a:lnSpc>
-                  <a:spcPct val="100000"/>
-                </a:lnSpc>
-                <a:spcBef>
-                  <a:spcPts val="0"/>
-                </a:spcBef>
-                <a:spcAft>
-                  <a:spcPts val="0"/>
-                </a:spcAft>
-                <a:buClrTx/>
-                <a:buSzTx/>
-                <a:buFontTx/>
-                <a:buNone/>
-                <a:tabLst/>
-                <a:defRPr/>
-              </a:pPr>
-              <a:t>36</a:t>
+              <a:rPr lang="en-US" smtClean="0"/>
+              <a:pPr/>
+              <a:t>35</a:t>
             </a:fld>
-            <a:endParaRPr kumimoji="0" lang="en-US" sz="1200" b="0" i="0" u="none" strike="noStrike" kern="1200" cap="none" spc="0" normalizeH="0" baseline="0" noProof="0" dirty="0">
-              <a:ln>
-                <a:noFill/>
-              </a:ln>
-              <a:solidFill>
-                <a:prstClr val="black"/>
-              </a:solidFill>
-              <a:effectLst/>
-              <a:uLnTx/>
-              <a:uFillTx/>
-              <a:latin typeface="Calibri" panose="020F0502020204030204"/>
-              <a:ea typeface="+mn-ea"/>
-              <a:cs typeface="+mn-cs"/>
-            </a:endParaRPr>
+            <a:endParaRPr lang="en-US" dirty="0"/>
           </a:p>
         </p:txBody>
       </p:sp>
@@ -2700,7 +3273,7 @@
           <p:cNvPr id="6" name="Footer Placeholder 7">
             <a:extLst>
               <a:ext uri="{FF2B5EF4-FFF2-40B4-BE49-F238E27FC236}">
-                <a16:creationId xmlns:a16="http://schemas.microsoft.com/office/drawing/2014/main" id="{B882FC88-5DFA-4ADD-B429-6C8BD09B3CC6}"/>
+                <a16:creationId xmlns:a16="http://schemas.microsoft.com/office/drawing/2014/main" id="{84632975-0E20-4A29-BDE4-8AB301E8CC03}"/>
               </a:ext>
             </a:extLst>
           </p:cNvPr>
@@ -2748,7 +3321,7 @@
     </p:spTree>
     <p:extLst>
       <p:ext uri="{BB962C8B-B14F-4D97-AF65-F5344CB8AC3E}">
-        <p14:creationId xmlns:p14="http://schemas.microsoft.com/office/powerpoint/2010/main" val="2533674982"/>
+        <p14:creationId xmlns:p14="http://schemas.microsoft.com/office/powerpoint/2010/main" val="1817487431"/>
       </p:ext>
     </p:extLst>
   </p:cSld>
@@ -2802,137 +3375,90 @@
           <a:bodyPr/>
           <a:lstStyle/>
           <a:p>
-            <a:endParaRPr lang="en-US"/>
+            <a:endParaRPr lang="en-US" dirty="0"/>
           </a:p>
         </p:txBody>
       </p:sp>
       <p:sp>
         <p:nvSpPr>
-          <p:cNvPr id="7" name="Slide Number Placeholder 5">
-            <a:extLst>
-              <a:ext uri="{FF2B5EF4-FFF2-40B4-BE49-F238E27FC236}">
-                <a16:creationId xmlns:a16="http://schemas.microsoft.com/office/drawing/2014/main" id="{5049B984-F964-47FF-8179-0A3007CE21CD}"/>
-              </a:ext>
-            </a:extLst>
-          </p:cNvPr>
-          <p:cNvSpPr txBox="1">
-            <a:spLocks/>
+          <p:cNvPr id="5" name="Slide Number Placeholder 4"/>
+          <p:cNvSpPr>
+            <a:spLocks noGrp="1"/>
           </p:cNvSpPr>
-          <p:nvPr/>
+          <p:nvPr>
+            <p:ph type="sldNum" sz="quarter" idx="11"/>
+          </p:nvPr>
         </p:nvSpPr>
-        <p:spPr>
-          <a:xfrm>
-            <a:off x="6488999" y="8847000"/>
-            <a:ext cx="367414" cy="297000"/>
-          </a:xfrm>
-          <a:prstGeom prst="rect">
-            <a:avLst/>
-          </a:prstGeom>
-        </p:spPr>
+        <p:spPr/>
         <p:txBody>
-          <a:bodyPr vert="horz" lIns="91440" tIns="45720" rIns="91440" bIns="45720" rtlCol="0" anchor="b"/>
-          <a:lstStyle>
-            <a:defPPr>
-              <a:defRPr lang="en-US"/>
-            </a:defPPr>
-            <a:lvl1pPr marL="0" algn="r" defTabSz="914400" rtl="0" eaLnBrk="1" latinLnBrk="0" hangingPunct="1">
-              <a:defRPr sz="1200" kern="1200">
-                <a:solidFill>
-                  <a:schemeClr val="tx1"/>
-                </a:solidFill>
-                <a:latin typeface="+mn-lt"/>
+          <a:bodyPr/>
+          <a:lstStyle/>
+          <a:p>
+            <a:pPr marL="0" marR="0" lvl="0" indent="0" algn="r" defTabSz="914400" rtl="0" eaLnBrk="1" fontAlgn="auto" latinLnBrk="0" hangingPunct="1">
+              <a:lnSpc>
+                <a:spcPct val="100000"/>
+              </a:lnSpc>
+              <a:spcBef>
+                <a:spcPts val="0"/>
+              </a:spcBef>
+              <a:spcAft>
+                <a:spcPts val="0"/>
+              </a:spcAft>
+              <a:buClrTx/>
+              <a:buSzTx/>
+              <a:buFontTx/>
+              <a:buNone/>
+              <a:tabLst/>
+              <a:defRPr/>
+            </a:pPr>
+            <a:fld id="{3EBA5BD7-F043-4D1B-AA17-CD412FC534DE}" type="slidenum">
+              <a:rPr kumimoji="0" lang="en-US" sz="1200" b="0" i="0" u="none" strike="noStrike" kern="1200" cap="none" spc="0" normalizeH="0" baseline="0" noProof="0" smtClean="0">
+                <a:ln>
+                  <a:noFill/>
+                </a:ln>
+                <a:solidFill>
+                  <a:prstClr val="black"/>
+                </a:solidFill>
+                <a:effectLst/>
+                <a:uLnTx/>
+                <a:uFillTx/>
+                <a:latin typeface="Calibri" panose="020F0502020204030204"/>
                 <a:ea typeface="+mn-ea"/>
                 <a:cs typeface="+mn-cs"/>
-              </a:defRPr>
-            </a:lvl1pPr>
-            <a:lvl2pPr marL="457200" algn="l" defTabSz="914400" rtl="0" eaLnBrk="1" latinLnBrk="0" hangingPunct="1">
-              <a:defRPr sz="1800" kern="1200">
-                <a:solidFill>
-                  <a:schemeClr val="tx1"/>
-                </a:solidFill>
-                <a:latin typeface="+mn-lt"/>
-                <a:ea typeface="+mn-ea"/>
-                <a:cs typeface="+mn-cs"/>
-              </a:defRPr>
-            </a:lvl2pPr>
-            <a:lvl3pPr marL="914400" algn="l" defTabSz="914400" rtl="0" eaLnBrk="1" latinLnBrk="0" hangingPunct="1">
-              <a:defRPr sz="1800" kern="1200">
-                <a:solidFill>
-                  <a:schemeClr val="tx1"/>
-                </a:solidFill>
-                <a:latin typeface="+mn-lt"/>
-                <a:ea typeface="+mn-ea"/>
-                <a:cs typeface="+mn-cs"/>
-              </a:defRPr>
-            </a:lvl3pPr>
-            <a:lvl4pPr marL="1371600" algn="l" defTabSz="914400" rtl="0" eaLnBrk="1" latinLnBrk="0" hangingPunct="1">
-              <a:defRPr sz="1800" kern="1200">
-                <a:solidFill>
-                  <a:schemeClr val="tx1"/>
-                </a:solidFill>
-                <a:latin typeface="+mn-lt"/>
-                <a:ea typeface="+mn-ea"/>
-                <a:cs typeface="+mn-cs"/>
-              </a:defRPr>
-            </a:lvl4pPr>
-            <a:lvl5pPr marL="1828800" algn="l" defTabSz="914400" rtl="0" eaLnBrk="1" latinLnBrk="0" hangingPunct="1">
-              <a:defRPr sz="1800" kern="1200">
-                <a:solidFill>
-                  <a:schemeClr val="tx1"/>
-                </a:solidFill>
-                <a:latin typeface="+mn-lt"/>
-                <a:ea typeface="+mn-ea"/>
-                <a:cs typeface="+mn-cs"/>
-              </a:defRPr>
-            </a:lvl5pPr>
-            <a:lvl6pPr marL="2286000" algn="l" defTabSz="914400" rtl="0" eaLnBrk="1" latinLnBrk="0" hangingPunct="1">
-              <a:defRPr sz="1800" kern="1200">
-                <a:solidFill>
-                  <a:schemeClr val="tx1"/>
-                </a:solidFill>
-                <a:latin typeface="+mn-lt"/>
-                <a:ea typeface="+mn-ea"/>
-                <a:cs typeface="+mn-cs"/>
-              </a:defRPr>
-            </a:lvl6pPr>
-            <a:lvl7pPr marL="2743200" algn="l" defTabSz="914400" rtl="0" eaLnBrk="1" latinLnBrk="0" hangingPunct="1">
-              <a:defRPr sz="1800" kern="1200">
-                <a:solidFill>
-                  <a:schemeClr val="tx1"/>
-                </a:solidFill>
-                <a:latin typeface="+mn-lt"/>
-                <a:ea typeface="+mn-ea"/>
-                <a:cs typeface="+mn-cs"/>
-              </a:defRPr>
-            </a:lvl7pPr>
-            <a:lvl8pPr marL="3200400" algn="l" defTabSz="914400" rtl="0" eaLnBrk="1" latinLnBrk="0" hangingPunct="1">
-              <a:defRPr sz="1800" kern="1200">
-                <a:solidFill>
-                  <a:schemeClr val="tx1"/>
-                </a:solidFill>
-                <a:latin typeface="+mn-lt"/>
-                <a:ea typeface="+mn-ea"/>
-                <a:cs typeface="+mn-cs"/>
-              </a:defRPr>
-            </a:lvl8pPr>
-            <a:lvl9pPr marL="3657600" algn="l" defTabSz="914400" rtl="0" eaLnBrk="1" latinLnBrk="0" hangingPunct="1">
-              <a:defRPr sz="1800" kern="1200">
-                <a:solidFill>
-                  <a:schemeClr val="tx1"/>
-                </a:solidFill>
-                <a:latin typeface="+mn-lt"/>
-                <a:ea typeface="+mn-ea"/>
-                <a:cs typeface="+mn-cs"/>
-              </a:defRPr>
-            </a:lvl9pPr>
-          </a:lstStyle>
-          <a:p>
-            <a:fld id="{3EBA5BD7-F043-4D1B-AA17-CD412FC534DE}" type="slidenum">
-              <a:rPr lang="en-US" smtClean="0"/>
-              <a:pPr/>
-              <a:t>37</a:t>
+              </a:rPr>
+              <a:pPr marL="0" marR="0" lvl="0" indent="0" algn="r" defTabSz="914400" rtl="0" eaLnBrk="1" fontAlgn="auto" latinLnBrk="0" hangingPunct="1">
+                <a:lnSpc>
+                  <a:spcPct val="100000"/>
+                </a:lnSpc>
+                <a:spcBef>
+                  <a:spcPts val="0"/>
+                </a:spcBef>
+                <a:spcAft>
+                  <a:spcPts val="0"/>
+                </a:spcAft>
+                <a:buClrTx/>
+                <a:buSzTx/>
+                <a:buFontTx/>
+                <a:buNone/>
+                <a:tabLst/>
+                <a:defRPr/>
+              </a:pPr>
+              <a:t>36</a:t>
             </a:fld>
-            <a:endParaRPr lang="en-US" dirty="0"/>
+            <a:endParaRPr kumimoji="0" lang="en-US" sz="1200" b="0" i="0" u="none" strike="noStrike" kern="1200" cap="none" spc="0" normalizeH="0" baseline="0" noProof="0" dirty="0">
+              <a:ln>
+                <a:noFill/>
+              </a:ln>
+              <a:solidFill>
+                <a:prstClr val="black"/>
+              </a:solidFill>
+              <a:effectLst/>
+              <a:uLnTx/>
+              <a:uFillTx/>
+              <a:latin typeface="Calibri" panose="020F0502020204030204"/>
+              <a:ea typeface="+mn-ea"/>
+              <a:cs typeface="+mn-cs"/>
+            </a:endParaRPr>
           </a:p>
         </p:txBody>
       </p:sp>
@@ -2941,7 +3467,7 @@
           <p:cNvPr id="6" name="Footer Placeholder 7">
             <a:extLst>
               <a:ext uri="{FF2B5EF4-FFF2-40B4-BE49-F238E27FC236}">
-                <a16:creationId xmlns:a16="http://schemas.microsoft.com/office/drawing/2014/main" id="{C43609F3-C20C-4EA9-A863-D82DD102C6E0}"/>
+                <a16:creationId xmlns:a16="http://schemas.microsoft.com/office/drawing/2014/main" id="{B882FC88-5DFA-4ADD-B429-6C8BD09B3CC6}"/>
               </a:ext>
             </a:extLst>
           </p:cNvPr>
@@ -2989,7 +3515,7 @@
     </p:spTree>
     <p:extLst>
       <p:ext uri="{BB962C8B-B14F-4D97-AF65-F5344CB8AC3E}">
-        <p14:creationId xmlns:p14="http://schemas.microsoft.com/office/powerpoint/2010/main" val="2389045007"/>
+        <p14:creationId xmlns:p14="http://schemas.microsoft.com/office/powerpoint/2010/main" val="2533674982"/>
       </p:ext>
     </p:extLst>
   </p:cSld>
@@ -3049,10 +3575,10 @@
       </p:sp>
       <p:sp>
         <p:nvSpPr>
-          <p:cNvPr id="6" name="Slide Number Placeholder 5">
+          <p:cNvPr id="7" name="Slide Number Placeholder 5">
             <a:extLst>
               <a:ext uri="{FF2B5EF4-FFF2-40B4-BE49-F238E27FC236}">
-                <a16:creationId xmlns:a16="http://schemas.microsoft.com/office/drawing/2014/main" id="{6627548A-4D3C-449B-81A5-FA4BE4628490}"/>
+                <a16:creationId xmlns:a16="http://schemas.microsoft.com/office/drawing/2014/main" id="{5049B984-F964-47FF-8179-0A3007CE21CD}"/>
               </a:ext>
             </a:extLst>
           </p:cNvPr>
@@ -3171,7 +3697,7 @@
             <a:fld id="{3EBA5BD7-F043-4D1B-AA17-CD412FC534DE}" type="slidenum">
               <a:rPr lang="en-US" smtClean="0"/>
               <a:pPr/>
-              <a:t>38</a:t>
+              <a:t>37</a:t>
             </a:fld>
             <a:endParaRPr lang="en-US" dirty="0"/>
           </a:p>
@@ -3179,10 +3705,10 @@
       </p:sp>
       <p:sp>
         <p:nvSpPr>
-          <p:cNvPr id="7" name="Footer Placeholder 7">
+          <p:cNvPr id="6" name="Footer Placeholder 7">
             <a:extLst>
               <a:ext uri="{FF2B5EF4-FFF2-40B4-BE49-F238E27FC236}">
-                <a16:creationId xmlns:a16="http://schemas.microsoft.com/office/drawing/2014/main" id="{F44DD3A8-A4A4-4C18-B1CE-28451DA257E2}"/>
+                <a16:creationId xmlns:a16="http://schemas.microsoft.com/office/drawing/2014/main" id="{C43609F3-C20C-4EA9-A863-D82DD102C6E0}"/>
               </a:ext>
             </a:extLst>
           </p:cNvPr>
@@ -3230,7 +3756,7 @@
     </p:spTree>
     <p:extLst>
       <p:ext uri="{BB962C8B-B14F-4D97-AF65-F5344CB8AC3E}">
-        <p14:creationId xmlns:p14="http://schemas.microsoft.com/office/powerpoint/2010/main" val="2883711894"/>
+        <p14:creationId xmlns:p14="http://schemas.microsoft.com/office/powerpoint/2010/main" val="2389045007"/>
       </p:ext>
     </p:extLst>
   </p:cSld>
@@ -3290,10 +3816,10 @@
       </p:sp>
       <p:sp>
         <p:nvSpPr>
-          <p:cNvPr id="7" name="Slide Number Placeholder 5">
+          <p:cNvPr id="6" name="Slide Number Placeholder 5">
             <a:extLst>
               <a:ext uri="{FF2B5EF4-FFF2-40B4-BE49-F238E27FC236}">
-                <a16:creationId xmlns:a16="http://schemas.microsoft.com/office/drawing/2014/main" id="{5D1C0779-821B-433B-AB3A-0953EE966C7E}"/>
+                <a16:creationId xmlns:a16="http://schemas.microsoft.com/office/drawing/2014/main" id="{6627548A-4D3C-449B-81A5-FA4BE4628490}"/>
               </a:ext>
             </a:extLst>
           </p:cNvPr>
@@ -3412,7 +3938,7 @@
             <a:fld id="{3EBA5BD7-F043-4D1B-AA17-CD412FC534DE}" type="slidenum">
               <a:rPr lang="en-US" smtClean="0"/>
               <a:pPr/>
-              <a:t>39</a:t>
+              <a:t>38</a:t>
             </a:fld>
             <a:endParaRPr lang="en-US" dirty="0"/>
           </a:p>
@@ -3420,10 +3946,10 @@
       </p:sp>
       <p:sp>
         <p:nvSpPr>
-          <p:cNvPr id="6" name="Footer Placeholder 7">
+          <p:cNvPr id="7" name="Footer Placeholder 7">
             <a:extLst>
               <a:ext uri="{FF2B5EF4-FFF2-40B4-BE49-F238E27FC236}">
-                <a16:creationId xmlns:a16="http://schemas.microsoft.com/office/drawing/2014/main" id="{C5AE7788-20B3-44FE-9336-038B95B839F2}"/>
+                <a16:creationId xmlns:a16="http://schemas.microsoft.com/office/drawing/2014/main" id="{F44DD3A8-A4A4-4C18-B1CE-28451DA257E2}"/>
               </a:ext>
             </a:extLst>
           </p:cNvPr>
@@ -3471,7 +3997,7 @@
     </p:spTree>
     <p:extLst>
       <p:ext uri="{BB962C8B-B14F-4D97-AF65-F5344CB8AC3E}">
-        <p14:creationId xmlns:p14="http://schemas.microsoft.com/office/powerpoint/2010/main" val="1459336780"/>
+        <p14:creationId xmlns:p14="http://schemas.microsoft.com/office/powerpoint/2010/main" val="2883711894"/>
       </p:ext>
     </p:extLst>
   </p:cSld>
@@ -3481,173 +4007,7 @@
 </p:notes>
 </file>
 
-<file path=ppt/notesSlides/notesSlide3.xml><?xml version="1.0" encoding="utf-8"?>
-<p:notes xmlns:a="http://schemas.openxmlformats.org/drawingml/2006/main" xmlns:r="http://schemas.openxmlformats.org/officeDocument/2006/relationships" xmlns:p="http://schemas.openxmlformats.org/presentationml/2006/main">
-  <p:cSld>
-    <p:spTree>
-      <p:nvGrpSpPr>
-        <p:cNvPr id="1" name=""/>
-        <p:cNvGrpSpPr/>
-        <p:nvPr/>
-      </p:nvGrpSpPr>
-      <p:grpSpPr>
-        <a:xfrm>
-          <a:off x="0" y="0"/>
-          <a:ext cx="0" cy="0"/>
-          <a:chOff x="0" y="0"/>
-          <a:chExt cx="0" cy="0"/>
-        </a:xfrm>
-      </p:grpSpPr>
-      <p:sp>
-        <p:nvSpPr>
-          <p:cNvPr id="4" name="Rectangle 2"/>
-          <p:cNvSpPr>
-            <a:spLocks noGrp="1" noChangeArrowheads="1"/>
-          </p:cNvSpPr>
-          <p:nvPr>
-            <p:ph type="hdr" sz="quarter"/>
-          </p:nvPr>
-        </p:nvSpPr>
-        <p:spPr>
-          <a:ln/>
-        </p:spPr>
-        <p:txBody>
-          <a:bodyPr/>
-          <a:lstStyle/>
-          <a:p>
-            <a:r>
-              <a:rPr lang="en-US" dirty="0"/>
-              <a:t>*</a:t>
-            </a:r>
-          </a:p>
-        </p:txBody>
-      </p:sp>
-      <p:sp>
-        <p:nvSpPr>
-          <p:cNvPr id="6" name="Rectangle 7"/>
-          <p:cNvSpPr>
-            <a:spLocks noGrp="1" noChangeArrowheads="1"/>
-          </p:cNvSpPr>
-          <p:nvPr>
-            <p:ph type="sldNum" sz="quarter" idx="5"/>
-          </p:nvPr>
-        </p:nvSpPr>
-        <p:spPr>
-          <a:ln/>
-        </p:spPr>
-        <p:txBody>
-          <a:bodyPr/>
-          <a:lstStyle/>
-          <a:p>
-            <a:fld id="{5F61667F-FAB2-418B-BA59-74B4D39CAB61}" type="slidenum">
-              <a:rPr lang="en-US"/>
-              <a:pPr/>
-              <a:t>4</a:t>
-            </a:fld>
-            <a:r>
-              <a:rPr lang="en-US" dirty="0"/>
-              <a:t>##</a:t>
-            </a:r>
-          </a:p>
-        </p:txBody>
-      </p:sp>
-      <p:sp>
-        <p:nvSpPr>
-          <p:cNvPr id="491522" name="Rectangle 2"/>
-          <p:cNvSpPr>
-            <a:spLocks noGrp="1" noRot="1" noChangeAspect="1" noChangeArrowheads="1" noTextEdit="1"/>
-          </p:cNvSpPr>
-          <p:nvPr>
-            <p:ph type="sldImg"/>
-          </p:nvPr>
-        </p:nvSpPr>
-        <p:spPr>
-          <a:ln/>
-        </p:spPr>
-      </p:sp>
-      <p:sp>
-        <p:nvSpPr>
-          <p:cNvPr id="491523" name="Rectangle 3"/>
-          <p:cNvSpPr>
-            <a:spLocks noGrp="1" noChangeArrowheads="1"/>
-          </p:cNvSpPr>
-          <p:nvPr>
-            <p:ph type="body" idx="1"/>
-          </p:nvPr>
-        </p:nvSpPr>
-        <p:spPr/>
-        <p:txBody>
-          <a:bodyPr/>
-          <a:lstStyle/>
-          <a:p>
-            <a:endParaRPr lang="bg-BG"/>
-          </a:p>
-        </p:txBody>
-      </p:sp>
-      <p:sp>
-        <p:nvSpPr>
-          <p:cNvPr id="7" name="Footer Placeholder 7">
-            <a:extLst>
-              <a:ext uri="{FF2B5EF4-FFF2-40B4-BE49-F238E27FC236}">
-                <a16:creationId xmlns:a16="http://schemas.microsoft.com/office/drawing/2014/main" id="{3316AAE2-7E58-4A63-B36B-1CCBF030C02A}"/>
-              </a:ext>
-            </a:extLst>
-          </p:cNvPr>
-          <p:cNvSpPr>
-            <a:spLocks noGrp="1"/>
-          </p:cNvSpPr>
-          <p:nvPr>
-            <p:ph type="ftr" sz="quarter" idx="4"/>
-          </p:nvPr>
-        </p:nvSpPr>
-        <p:spPr>
-          <a:xfrm>
-            <a:off x="-1" y="8847000"/>
-            <a:ext cx="6488999" cy="297000"/>
-          </a:xfrm>
-          <a:prstGeom prst="rect">
-            <a:avLst/>
-          </a:prstGeom>
-        </p:spPr>
-        <p:txBody>
-          <a:bodyPr vert="horz" lIns="91440" tIns="45720" rIns="91440" bIns="45720" rtlCol="0" anchor="b"/>
-          <a:lstStyle>
-            <a:lvl1pPr algn="l">
-              <a:defRPr sz="1100"/>
-            </a:lvl1pPr>
-          </a:lstStyle>
-          <a:p>
-            <a:r>
-              <a:rPr lang="en-US" dirty="0"/>
-              <a:t>© SoftUni – </a:t>
-            </a:r>
-            <a:r>
-              <a:rPr lang="en-US" u="sng" dirty="0">
-                <a:hlinkClick r:id="rId3"/>
-              </a:rPr>
-              <a:t>https://softuni.org</a:t>
-            </a:r>
-            <a:r>
-              <a:rPr lang="en-US" dirty="0"/>
-              <a:t>. Copyrighted document. Unauthorized copy or reproduction is not permitted.</a:t>
-            </a:r>
-          </a:p>
-        </p:txBody>
-      </p:sp>
-    </p:spTree>
-    <p:extLst>
-      <p:ext uri="{BB962C8B-B14F-4D97-AF65-F5344CB8AC3E}">
-        <p14:creationId xmlns:p14="http://schemas.microsoft.com/office/powerpoint/2010/main" val="768905680"/>
-      </p:ext>
-    </p:extLst>
-  </p:cSld>
-  <p:clrMapOvr>
-    <a:masterClrMapping/>
-  </p:clrMapOvr>
-</p:notes>
-</file>
-
-<file path=ppt/notesSlides/notesSlide4.xml><?xml version="1.0" encoding="utf-8"?>
+<file path=ppt/notesSlides/notesSlide24.xml><?xml version="1.0" encoding="utf-8"?>
 <p:notes xmlns:a="http://schemas.openxmlformats.org/drawingml/2006/main" xmlns:r="http://schemas.openxmlformats.org/officeDocument/2006/relationships" xmlns:p="http://schemas.openxmlformats.org/presentationml/2006/main">
   <p:cSld>
     <p:spTree>
@@ -3691,29 +4051,135 @@
           <a:bodyPr/>
           <a:lstStyle/>
           <a:p>
-            <a:endParaRPr lang="bg-BG" dirty="0"/>
+            <a:endParaRPr lang="en-US"/>
           </a:p>
         </p:txBody>
       </p:sp>
       <p:sp>
         <p:nvSpPr>
-          <p:cNvPr id="5" name="Slide Number Placeholder 4"/>
-          <p:cNvSpPr>
-            <a:spLocks noGrp="1"/>
+          <p:cNvPr id="7" name="Slide Number Placeholder 5">
+            <a:extLst>
+              <a:ext uri="{FF2B5EF4-FFF2-40B4-BE49-F238E27FC236}">
+                <a16:creationId xmlns:a16="http://schemas.microsoft.com/office/drawing/2014/main" id="{5D1C0779-821B-433B-AB3A-0953EE966C7E}"/>
+              </a:ext>
+            </a:extLst>
+          </p:cNvPr>
+          <p:cNvSpPr txBox="1">
+            <a:spLocks/>
           </p:cNvSpPr>
-          <p:nvPr>
-            <p:ph type="sldNum" sz="quarter" idx="11"/>
-          </p:nvPr>
+          <p:nvPr/>
         </p:nvSpPr>
-        <p:spPr/>
+        <p:spPr>
+          <a:xfrm>
+            <a:off x="6488999" y="8847000"/>
+            <a:ext cx="367414" cy="297000"/>
+          </a:xfrm>
+          <a:prstGeom prst="rect">
+            <a:avLst/>
+          </a:prstGeom>
+        </p:spPr>
         <p:txBody>
-          <a:bodyPr/>
-          <a:lstStyle/>
+          <a:bodyPr vert="horz" lIns="91440" tIns="45720" rIns="91440" bIns="45720" rtlCol="0" anchor="b"/>
+          <a:lstStyle>
+            <a:defPPr>
+              <a:defRPr lang="en-US"/>
+            </a:defPPr>
+            <a:lvl1pPr marL="0" algn="r" defTabSz="914400" rtl="0" eaLnBrk="1" latinLnBrk="0" hangingPunct="1">
+              <a:defRPr sz="1200" kern="1200">
+                <a:solidFill>
+                  <a:schemeClr val="tx1"/>
+                </a:solidFill>
+                <a:latin typeface="+mn-lt"/>
+                <a:ea typeface="+mn-ea"/>
+                <a:cs typeface="+mn-cs"/>
+              </a:defRPr>
+            </a:lvl1pPr>
+            <a:lvl2pPr marL="457200" algn="l" defTabSz="914400" rtl="0" eaLnBrk="1" latinLnBrk="0" hangingPunct="1">
+              <a:defRPr sz="1800" kern="1200">
+                <a:solidFill>
+                  <a:schemeClr val="tx1"/>
+                </a:solidFill>
+                <a:latin typeface="+mn-lt"/>
+                <a:ea typeface="+mn-ea"/>
+                <a:cs typeface="+mn-cs"/>
+              </a:defRPr>
+            </a:lvl2pPr>
+            <a:lvl3pPr marL="914400" algn="l" defTabSz="914400" rtl="0" eaLnBrk="1" latinLnBrk="0" hangingPunct="1">
+              <a:defRPr sz="1800" kern="1200">
+                <a:solidFill>
+                  <a:schemeClr val="tx1"/>
+                </a:solidFill>
+                <a:latin typeface="+mn-lt"/>
+                <a:ea typeface="+mn-ea"/>
+                <a:cs typeface="+mn-cs"/>
+              </a:defRPr>
+            </a:lvl3pPr>
+            <a:lvl4pPr marL="1371600" algn="l" defTabSz="914400" rtl="0" eaLnBrk="1" latinLnBrk="0" hangingPunct="1">
+              <a:defRPr sz="1800" kern="1200">
+                <a:solidFill>
+                  <a:schemeClr val="tx1"/>
+                </a:solidFill>
+                <a:latin typeface="+mn-lt"/>
+                <a:ea typeface="+mn-ea"/>
+                <a:cs typeface="+mn-cs"/>
+              </a:defRPr>
+            </a:lvl4pPr>
+            <a:lvl5pPr marL="1828800" algn="l" defTabSz="914400" rtl="0" eaLnBrk="1" latinLnBrk="0" hangingPunct="1">
+              <a:defRPr sz="1800" kern="1200">
+                <a:solidFill>
+                  <a:schemeClr val="tx1"/>
+                </a:solidFill>
+                <a:latin typeface="+mn-lt"/>
+                <a:ea typeface="+mn-ea"/>
+                <a:cs typeface="+mn-cs"/>
+              </a:defRPr>
+            </a:lvl5pPr>
+            <a:lvl6pPr marL="2286000" algn="l" defTabSz="914400" rtl="0" eaLnBrk="1" latinLnBrk="0" hangingPunct="1">
+              <a:defRPr sz="1800" kern="1200">
+                <a:solidFill>
+                  <a:schemeClr val="tx1"/>
+                </a:solidFill>
+                <a:latin typeface="+mn-lt"/>
+                <a:ea typeface="+mn-ea"/>
+                <a:cs typeface="+mn-cs"/>
+              </a:defRPr>
+            </a:lvl6pPr>
+            <a:lvl7pPr marL="2743200" algn="l" defTabSz="914400" rtl="0" eaLnBrk="1" latinLnBrk="0" hangingPunct="1">
+              <a:defRPr sz="1800" kern="1200">
+                <a:solidFill>
+                  <a:schemeClr val="tx1"/>
+                </a:solidFill>
+                <a:latin typeface="+mn-lt"/>
+                <a:ea typeface="+mn-ea"/>
+                <a:cs typeface="+mn-cs"/>
+              </a:defRPr>
+            </a:lvl7pPr>
+            <a:lvl8pPr marL="3200400" algn="l" defTabSz="914400" rtl="0" eaLnBrk="1" latinLnBrk="0" hangingPunct="1">
+              <a:defRPr sz="1800" kern="1200">
+                <a:solidFill>
+                  <a:schemeClr val="tx1"/>
+                </a:solidFill>
+                <a:latin typeface="+mn-lt"/>
+                <a:ea typeface="+mn-ea"/>
+                <a:cs typeface="+mn-cs"/>
+              </a:defRPr>
+            </a:lvl8pPr>
+            <a:lvl9pPr marL="3657600" algn="l" defTabSz="914400" rtl="0" eaLnBrk="1" latinLnBrk="0" hangingPunct="1">
+              <a:defRPr sz="1800" kern="1200">
+                <a:solidFill>
+                  <a:schemeClr val="tx1"/>
+                </a:solidFill>
+                <a:latin typeface="+mn-lt"/>
+                <a:ea typeface="+mn-ea"/>
+                <a:cs typeface="+mn-cs"/>
+              </a:defRPr>
+            </a:lvl9pPr>
+          </a:lstStyle>
           <a:p>
             <a:fld id="{3EBA5BD7-F043-4D1B-AA17-CD412FC534DE}" type="slidenum">
               <a:rPr lang="en-US" smtClean="0"/>
               <a:pPr/>
-              <a:t>5</a:t>
+              <a:t>39</a:t>
             </a:fld>
             <a:endParaRPr lang="en-US" dirty="0"/>
           </a:p>
@@ -3724,7 +4190,7 @@
           <p:cNvPr id="6" name="Footer Placeholder 7">
             <a:extLst>
               <a:ext uri="{FF2B5EF4-FFF2-40B4-BE49-F238E27FC236}">
-                <a16:creationId xmlns:a16="http://schemas.microsoft.com/office/drawing/2014/main" id="{B29F3022-2A0E-46F3-A831-B9FDDB7CDC65}"/>
+                <a16:creationId xmlns:a16="http://schemas.microsoft.com/office/drawing/2014/main" id="{C5AE7788-20B3-44FE-9336-038B95B839F2}"/>
               </a:ext>
             </a:extLst>
           </p:cNvPr>
@@ -3772,7 +4238,290 @@
     </p:spTree>
     <p:extLst>
       <p:ext uri="{BB962C8B-B14F-4D97-AF65-F5344CB8AC3E}">
-        <p14:creationId xmlns:p14="http://schemas.microsoft.com/office/powerpoint/2010/main" val="4007735367"/>
+        <p14:creationId xmlns:p14="http://schemas.microsoft.com/office/powerpoint/2010/main" val="1459336780"/>
+      </p:ext>
+    </p:extLst>
+  </p:cSld>
+  <p:clrMapOvr>
+    <a:masterClrMapping/>
+  </p:clrMapOvr>
+</p:notes>
+</file>
+
+<file path=ppt/notesSlides/notesSlide3.xml><?xml version="1.0" encoding="utf-8"?>
+<p:notes xmlns:a="http://schemas.openxmlformats.org/drawingml/2006/main" xmlns:r="http://schemas.openxmlformats.org/officeDocument/2006/relationships" xmlns:p="http://schemas.openxmlformats.org/presentationml/2006/main">
+  <p:cSld>
+    <p:spTree>
+      <p:nvGrpSpPr>
+        <p:cNvPr id="1" name=""/>
+        <p:cNvGrpSpPr/>
+        <p:nvPr/>
+      </p:nvGrpSpPr>
+      <p:grpSpPr>
+        <a:xfrm>
+          <a:off x="0" y="0"/>
+          <a:ext cx="0" cy="0"/>
+          <a:chOff x="0" y="0"/>
+          <a:chExt cx="0" cy="0"/>
+        </a:xfrm>
+      </p:grpSpPr>
+      <p:sp>
+        <p:nvSpPr>
+          <p:cNvPr id="2" name="Slide Image Placeholder 1"/>
+          <p:cNvSpPr>
+            <a:spLocks noGrp="1" noRot="1" noChangeAspect="1"/>
+          </p:cNvSpPr>
+          <p:nvPr>
+            <p:ph type="sldImg"/>
+          </p:nvPr>
+        </p:nvSpPr>
+        <p:spPr/>
+      </p:sp>
+      <p:sp>
+        <p:nvSpPr>
+          <p:cNvPr id="3" name="Notes Placeholder 2"/>
+          <p:cNvSpPr>
+            <a:spLocks noGrp="1"/>
+          </p:cNvSpPr>
+          <p:nvPr>
+            <p:ph type="body" idx="1"/>
+          </p:nvPr>
+        </p:nvSpPr>
+        <p:spPr/>
+        <p:txBody>
+          <a:bodyPr/>
+          <a:lstStyle/>
+          <a:p>
+            <a:endParaRPr lang="bg-BG" dirty="0"/>
+          </a:p>
+        </p:txBody>
+      </p:sp>
+      <p:sp>
+        <p:nvSpPr>
+          <p:cNvPr id="4" name="Slide Number Placeholder 3"/>
+          <p:cNvSpPr>
+            <a:spLocks noGrp="1"/>
+          </p:cNvSpPr>
+          <p:nvPr>
+            <p:ph type="sldNum" sz="quarter" idx="5"/>
+          </p:nvPr>
+        </p:nvSpPr>
+        <p:spPr/>
+        <p:txBody>
+          <a:bodyPr/>
+          <a:lstStyle/>
+          <a:p>
+            <a:fld id="{2BF067CD-8E6B-4360-9AA8-C5DF2A48A6D1}" type="slidenum">
+              <a:rPr lang="en-US" smtClean="0"/>
+              <a:t>3</a:t>
+            </a:fld>
+            <a:endParaRPr lang="en-US" dirty="0"/>
+          </a:p>
+        </p:txBody>
+      </p:sp>
+      <p:sp>
+        <p:nvSpPr>
+          <p:cNvPr id="5" name="Footer Placeholder 4"/>
+          <p:cNvSpPr>
+            <a:spLocks noGrp="1"/>
+          </p:cNvSpPr>
+          <p:nvPr>
+            <p:ph type="ftr" sz="quarter" idx="4"/>
+          </p:nvPr>
+        </p:nvSpPr>
+        <p:spPr/>
+        <p:txBody>
+          <a:bodyPr/>
+          <a:lstStyle/>
+          <a:p>
+            <a:r>
+              <a:rPr lang="en-US"/>
+              <a:t>© SoftUni – </a:t>
+            </a:r>
+            <a:r>
+              <a:rPr lang="en-US" u="sng">
+                <a:hlinkClick r:id="rId3"/>
+              </a:rPr>
+              <a:t>https://softuni.org</a:t>
+            </a:r>
+            <a:r>
+              <a:rPr lang="en-US"/>
+              <a:t>. Copyrighted document. Unauthorized copy or reproduction is not permitted.</a:t>
+            </a:r>
+            <a:endParaRPr lang="en-US" dirty="0"/>
+          </a:p>
+        </p:txBody>
+      </p:sp>
+    </p:spTree>
+    <p:extLst>
+      <p:ext uri="{BB962C8B-B14F-4D97-AF65-F5344CB8AC3E}">
+        <p14:creationId xmlns:p14="http://schemas.microsoft.com/office/powerpoint/2010/main" val="2671537305"/>
+      </p:ext>
+    </p:extLst>
+  </p:cSld>
+  <p:clrMapOvr>
+    <a:masterClrMapping/>
+  </p:clrMapOvr>
+</p:notes>
+</file>
+
+<file path=ppt/notesSlides/notesSlide4.xml><?xml version="1.0" encoding="utf-8"?>
+<p:notes xmlns:a="http://schemas.openxmlformats.org/drawingml/2006/main" xmlns:r="http://schemas.openxmlformats.org/officeDocument/2006/relationships" xmlns:p="http://schemas.openxmlformats.org/presentationml/2006/main">
+  <p:cSld>
+    <p:spTree>
+      <p:nvGrpSpPr>
+        <p:cNvPr id="1" name=""/>
+        <p:cNvGrpSpPr/>
+        <p:nvPr/>
+      </p:nvGrpSpPr>
+      <p:grpSpPr>
+        <a:xfrm>
+          <a:off x="0" y="0"/>
+          <a:ext cx="0" cy="0"/>
+          <a:chOff x="0" y="0"/>
+          <a:chExt cx="0" cy="0"/>
+        </a:xfrm>
+      </p:grpSpPr>
+      <p:sp>
+        <p:nvSpPr>
+          <p:cNvPr id="4" name="Rectangle 2"/>
+          <p:cNvSpPr>
+            <a:spLocks noGrp="1" noChangeArrowheads="1"/>
+          </p:cNvSpPr>
+          <p:nvPr>
+            <p:ph type="hdr" sz="quarter"/>
+          </p:nvPr>
+        </p:nvSpPr>
+        <p:spPr>
+          <a:ln/>
+        </p:spPr>
+        <p:txBody>
+          <a:bodyPr/>
+          <a:lstStyle/>
+          <a:p>
+            <a:r>
+              <a:rPr lang="en-US" dirty="0"/>
+              <a:t>*</a:t>
+            </a:r>
+          </a:p>
+        </p:txBody>
+      </p:sp>
+      <p:sp>
+        <p:nvSpPr>
+          <p:cNvPr id="6" name="Rectangle 7"/>
+          <p:cNvSpPr>
+            <a:spLocks noGrp="1" noChangeArrowheads="1"/>
+          </p:cNvSpPr>
+          <p:nvPr>
+            <p:ph type="sldNum" sz="quarter" idx="5"/>
+          </p:nvPr>
+        </p:nvSpPr>
+        <p:spPr>
+          <a:ln/>
+        </p:spPr>
+        <p:txBody>
+          <a:bodyPr/>
+          <a:lstStyle/>
+          <a:p>
+            <a:fld id="{5F61667F-FAB2-418B-BA59-74B4D39CAB61}" type="slidenum">
+              <a:rPr lang="en-US"/>
+              <a:pPr/>
+              <a:t>4</a:t>
+            </a:fld>
+            <a:r>
+              <a:rPr lang="en-US" dirty="0"/>
+              <a:t>##</a:t>
+            </a:r>
+          </a:p>
+        </p:txBody>
+      </p:sp>
+      <p:sp>
+        <p:nvSpPr>
+          <p:cNvPr id="491522" name="Rectangle 2"/>
+          <p:cNvSpPr>
+            <a:spLocks noGrp="1" noRot="1" noChangeAspect="1" noChangeArrowheads="1" noTextEdit="1"/>
+          </p:cNvSpPr>
+          <p:nvPr>
+            <p:ph type="sldImg"/>
+          </p:nvPr>
+        </p:nvSpPr>
+        <p:spPr>
+          <a:ln/>
+        </p:spPr>
+      </p:sp>
+      <p:sp>
+        <p:nvSpPr>
+          <p:cNvPr id="491523" name="Rectangle 3"/>
+          <p:cNvSpPr>
+            <a:spLocks noGrp="1" noChangeArrowheads="1"/>
+          </p:cNvSpPr>
+          <p:nvPr>
+            <p:ph type="body" idx="1"/>
+          </p:nvPr>
+        </p:nvSpPr>
+        <p:spPr/>
+        <p:txBody>
+          <a:bodyPr/>
+          <a:lstStyle/>
+          <a:p>
+            <a:endParaRPr lang="bg-BG"/>
+          </a:p>
+        </p:txBody>
+      </p:sp>
+      <p:sp>
+        <p:nvSpPr>
+          <p:cNvPr id="7" name="Footer Placeholder 7">
+            <a:extLst>
+              <a:ext uri="{FF2B5EF4-FFF2-40B4-BE49-F238E27FC236}">
+                <a16:creationId xmlns:a16="http://schemas.microsoft.com/office/drawing/2014/main" id="{3316AAE2-7E58-4A63-B36B-1CCBF030C02A}"/>
+              </a:ext>
+            </a:extLst>
+          </p:cNvPr>
+          <p:cNvSpPr>
+            <a:spLocks noGrp="1"/>
+          </p:cNvSpPr>
+          <p:nvPr>
+            <p:ph type="ftr" sz="quarter" idx="4"/>
+          </p:nvPr>
+        </p:nvSpPr>
+        <p:spPr>
+          <a:xfrm>
+            <a:off x="-1" y="8847000"/>
+            <a:ext cx="6488999" cy="297000"/>
+          </a:xfrm>
+          <a:prstGeom prst="rect">
+            <a:avLst/>
+          </a:prstGeom>
+        </p:spPr>
+        <p:txBody>
+          <a:bodyPr vert="horz" lIns="91440" tIns="45720" rIns="91440" bIns="45720" rtlCol="0" anchor="b"/>
+          <a:lstStyle>
+            <a:lvl1pPr algn="l">
+              <a:defRPr sz="1100"/>
+            </a:lvl1pPr>
+          </a:lstStyle>
+          <a:p>
+            <a:r>
+              <a:rPr lang="en-US" dirty="0"/>
+              <a:t>© SoftUni – </a:t>
+            </a:r>
+            <a:r>
+              <a:rPr lang="en-US" u="sng" dirty="0">
+                <a:hlinkClick r:id="rId3"/>
+              </a:rPr>
+              <a:t>https://softuni.org</a:t>
+            </a:r>
+            <a:r>
+              <a:rPr lang="en-US" dirty="0"/>
+              <a:t>. Copyrighted document. Unauthorized copy or reproduction is not permitted.</a:t>
+            </a:r>
+          </a:p>
+        </p:txBody>
+      </p:sp>
+    </p:spTree>
+    <p:extLst>
+      <p:ext uri="{BB962C8B-B14F-4D97-AF65-F5344CB8AC3E}">
+        <p14:creationId xmlns:p14="http://schemas.microsoft.com/office/powerpoint/2010/main" val="768905680"/>
       </p:ext>
     </p:extLst>
   </p:cSld>
@@ -3832,56 +4581,6 @@
       </p:sp>
       <p:sp>
         <p:nvSpPr>
-          <p:cNvPr id="4" name="Footer Placeholder 3"/>
-          <p:cNvSpPr>
-            <a:spLocks noGrp="1"/>
-          </p:cNvSpPr>
-          <p:nvPr>
-            <p:ph type="ftr" sz="quarter" idx="10"/>
-          </p:nvPr>
-        </p:nvSpPr>
-        <p:spPr/>
-        <p:txBody>
-          <a:bodyPr/>
-          <a:lstStyle/>
-          <a:p>
-            <a:r>
-              <a:rPr lang="en-US" sz="1000"/>
-              <a:t>© Software University Foundation – </a:t>
-            </a:r>
-            <a:r>
-              <a:rPr lang="en-US" sz="1000" u="sng">
-                <a:hlinkClick r:id="rId3"/>
-              </a:rPr>
-              <a:t>http://softuni.org</a:t>
-            </a:r>
-            <a:endParaRPr lang="en-US" sz="1000"/>
-          </a:p>
-          <a:p>
-            <a:r>
-              <a:rPr lang="en-US" sz="1000"/>
-              <a:t>This work is licensed under the </a:t>
-            </a:r>
-            <a:r>
-              <a:rPr lang="en-US" sz="1000" u="sng" noProof="1">
-                <a:hlinkClick r:id="rId4"/>
-              </a:rPr>
-              <a:t>Creative Commons Attribution-NonCommercial-ShareAlike</a:t>
-            </a:r>
-            <a:r>
-              <a:rPr lang="en-US" sz="1000" noProof="1"/>
-              <a:t> </a:t>
-            </a:r>
-            <a:r>
-              <a:rPr lang="en-US" sz="1000"/>
-              <a:t>license.</a:t>
-            </a:r>
-            <a:endParaRPr lang="en-US" sz="1000" dirty="0"/>
-          </a:p>
-        </p:txBody>
-      </p:sp>
-      <p:sp>
-        <p:nvSpPr>
           <p:cNvPr id="5" name="Slide Number Placeholder 4"/>
           <p:cNvSpPr>
             <a:spLocks noGrp="1"/>
@@ -3898,16 +4597,66 @@
             <a:fld id="{3EBA5BD7-F043-4D1B-AA17-CD412FC534DE}" type="slidenum">
               <a:rPr lang="en-US" smtClean="0"/>
               <a:pPr/>
-              <a:t>7</a:t>
+              <a:t>5</a:t>
             </a:fld>
             <a:endParaRPr lang="en-US" dirty="0"/>
+          </a:p>
+        </p:txBody>
+      </p:sp>
+      <p:sp>
+        <p:nvSpPr>
+          <p:cNvPr id="6" name="Footer Placeholder 7">
+            <a:extLst>
+              <a:ext uri="{FF2B5EF4-FFF2-40B4-BE49-F238E27FC236}">
+                <a16:creationId xmlns:a16="http://schemas.microsoft.com/office/drawing/2014/main" id="{B29F3022-2A0E-46F3-A831-B9FDDB7CDC65}"/>
+              </a:ext>
+            </a:extLst>
+          </p:cNvPr>
+          <p:cNvSpPr>
+            <a:spLocks noGrp="1"/>
+          </p:cNvSpPr>
+          <p:nvPr>
+            <p:ph type="ftr" sz="quarter" idx="4"/>
+          </p:nvPr>
+        </p:nvSpPr>
+        <p:spPr>
+          <a:xfrm>
+            <a:off x="-1" y="8847000"/>
+            <a:ext cx="6488999" cy="297000"/>
+          </a:xfrm>
+          <a:prstGeom prst="rect">
+            <a:avLst/>
+          </a:prstGeom>
+        </p:spPr>
+        <p:txBody>
+          <a:bodyPr vert="horz" lIns="91440" tIns="45720" rIns="91440" bIns="45720" rtlCol="0" anchor="b"/>
+          <a:lstStyle>
+            <a:lvl1pPr algn="l">
+              <a:defRPr sz="1100"/>
+            </a:lvl1pPr>
+          </a:lstStyle>
+          <a:p>
+            <a:r>
+              <a:rPr lang="en-US" dirty="0"/>
+              <a:t>© SoftUni – </a:t>
+            </a:r>
+            <a:r>
+              <a:rPr lang="en-US" u="sng" dirty="0">
+                <a:hlinkClick r:id="rId3"/>
+              </a:rPr>
+              <a:t>https://softuni.org</a:t>
+            </a:r>
+            <a:r>
+              <a:rPr lang="en-US" dirty="0"/>
+              <a:t>. Copyrighted document. Unauthorized copy or reproduction is not permitted.</a:t>
+            </a:r>
           </a:p>
         </p:txBody>
       </p:sp>
     </p:spTree>
     <p:extLst>
       <p:ext uri="{BB962C8B-B14F-4D97-AF65-F5344CB8AC3E}">
-        <p14:creationId xmlns:p14="http://schemas.microsoft.com/office/powerpoint/2010/main" val="3214038449"/>
+        <p14:creationId xmlns:p14="http://schemas.microsoft.com/office/powerpoint/2010/main" val="4007735367"/>
       </p:ext>
     </p:extLst>
   </p:cSld>
@@ -3967,6 +4716,56 @@
       </p:sp>
       <p:sp>
         <p:nvSpPr>
+          <p:cNvPr id="4" name="Footer Placeholder 3"/>
+          <p:cNvSpPr>
+            <a:spLocks noGrp="1"/>
+          </p:cNvSpPr>
+          <p:nvPr>
+            <p:ph type="ftr" sz="quarter" idx="10"/>
+          </p:nvPr>
+        </p:nvSpPr>
+        <p:spPr/>
+        <p:txBody>
+          <a:bodyPr/>
+          <a:lstStyle/>
+          <a:p>
+            <a:r>
+              <a:rPr lang="en-US" sz="1000"/>
+              <a:t>© Software University Foundation – </a:t>
+            </a:r>
+            <a:r>
+              <a:rPr lang="en-US" sz="1000" u="sng">
+                <a:hlinkClick r:id="rId3"/>
+              </a:rPr>
+              <a:t>http://softuni.org</a:t>
+            </a:r>
+            <a:endParaRPr lang="en-US" sz="1000"/>
+          </a:p>
+          <a:p>
+            <a:r>
+              <a:rPr lang="en-US" sz="1000"/>
+              <a:t>This work is licensed under the </a:t>
+            </a:r>
+            <a:r>
+              <a:rPr lang="en-US" sz="1000" u="sng" noProof="1">
+                <a:hlinkClick r:id="rId4"/>
+              </a:rPr>
+              <a:t>Creative Commons Attribution-NonCommercial-ShareAlike</a:t>
+            </a:r>
+            <a:r>
+              <a:rPr lang="en-US" sz="1000" noProof="1"/>
+              <a:t> </a:t>
+            </a:r>
+            <a:r>
+              <a:rPr lang="en-US" sz="1000"/>
+              <a:t>license.</a:t>
+            </a:r>
+            <a:endParaRPr lang="en-US" sz="1000" dirty="0"/>
+          </a:p>
+        </p:txBody>
+      </p:sp>
+      <p:sp>
+        <p:nvSpPr>
           <p:cNvPr id="5" name="Slide Number Placeholder 4"/>
           <p:cNvSpPr>
             <a:spLocks noGrp="1"/>
@@ -3983,66 +4782,16 @@
             <a:fld id="{3EBA5BD7-F043-4D1B-AA17-CD412FC534DE}" type="slidenum">
               <a:rPr lang="en-US" smtClean="0"/>
               <a:pPr/>
-              <a:t>8</a:t>
+              <a:t>7</a:t>
             </a:fld>
             <a:endParaRPr lang="en-US" dirty="0"/>
-          </a:p>
-        </p:txBody>
-      </p:sp>
-      <p:sp>
-        <p:nvSpPr>
-          <p:cNvPr id="6" name="Footer Placeholder 7">
-            <a:extLst>
-              <a:ext uri="{FF2B5EF4-FFF2-40B4-BE49-F238E27FC236}">
-                <a16:creationId xmlns:a16="http://schemas.microsoft.com/office/drawing/2014/main" id="{527438CF-B576-4491-AE69-1973B9739B8F}"/>
-              </a:ext>
-            </a:extLst>
-          </p:cNvPr>
-          <p:cNvSpPr>
-            <a:spLocks noGrp="1"/>
-          </p:cNvSpPr>
-          <p:nvPr>
-            <p:ph type="ftr" sz="quarter" idx="4"/>
-          </p:nvPr>
-        </p:nvSpPr>
-        <p:spPr>
-          <a:xfrm>
-            <a:off x="-1" y="8847000"/>
-            <a:ext cx="6488999" cy="297000"/>
-          </a:xfrm>
-          <a:prstGeom prst="rect">
-            <a:avLst/>
-          </a:prstGeom>
-        </p:spPr>
-        <p:txBody>
-          <a:bodyPr vert="horz" lIns="91440" tIns="45720" rIns="91440" bIns="45720" rtlCol="0" anchor="b"/>
-          <a:lstStyle>
-            <a:lvl1pPr algn="l">
-              <a:defRPr sz="1100"/>
-            </a:lvl1pPr>
-          </a:lstStyle>
-          <a:p>
-            <a:r>
-              <a:rPr lang="en-US" dirty="0"/>
-              <a:t>© SoftUni – </a:t>
-            </a:r>
-            <a:r>
-              <a:rPr lang="en-US" u="sng" dirty="0">
-                <a:hlinkClick r:id="rId3"/>
-              </a:rPr>
-              <a:t>https://softuni.org</a:t>
-            </a:r>
-            <a:r>
-              <a:rPr lang="en-US" dirty="0"/>
-              <a:t>. Copyrighted document. Unauthorized copy or reproduction is not permitted.</a:t>
-            </a:r>
           </a:p>
         </p:txBody>
       </p:sp>
     </p:spTree>
     <p:extLst>
       <p:ext uri="{BB962C8B-B14F-4D97-AF65-F5344CB8AC3E}">
-        <p14:creationId xmlns:p14="http://schemas.microsoft.com/office/powerpoint/2010/main" val="3533153082"/>
+        <p14:creationId xmlns:p14="http://schemas.microsoft.com/office/powerpoint/2010/main" val="3214038449"/>
       </p:ext>
     </p:extLst>
   </p:cSld>
@@ -4118,7 +4867,7 @@
             <a:fld id="{3EBA5BD7-F043-4D1B-AA17-CD412FC534DE}" type="slidenum">
               <a:rPr lang="en-US" smtClean="0"/>
               <a:pPr/>
-              <a:t>9</a:t>
+              <a:t>8</a:t>
             </a:fld>
             <a:endParaRPr lang="en-US" dirty="0"/>
           </a:p>
@@ -4129,7 +4878,7 @@
           <p:cNvPr id="6" name="Footer Placeholder 7">
             <a:extLst>
               <a:ext uri="{FF2B5EF4-FFF2-40B4-BE49-F238E27FC236}">
-                <a16:creationId xmlns:a16="http://schemas.microsoft.com/office/drawing/2014/main" id="{EDCBDDC6-7B37-46BF-835D-A2360E5C9533}"/>
+                <a16:creationId xmlns:a16="http://schemas.microsoft.com/office/drawing/2014/main" id="{527438CF-B576-4491-AE69-1973B9739B8F}"/>
               </a:ext>
             </a:extLst>
           </p:cNvPr>
@@ -4177,7 +4926,7 @@
     </p:spTree>
     <p:extLst>
       <p:ext uri="{BB962C8B-B14F-4D97-AF65-F5344CB8AC3E}">
-        <p14:creationId xmlns:p14="http://schemas.microsoft.com/office/powerpoint/2010/main" val="1966501563"/>
+        <p14:creationId xmlns:p14="http://schemas.microsoft.com/office/powerpoint/2010/main" val="3533153082"/>
       </p:ext>
     </p:extLst>
   </p:cSld>
@@ -4237,56 +4986,6 @@
       </p:sp>
       <p:sp>
         <p:nvSpPr>
-          <p:cNvPr id="4" name="Footer Placeholder 3"/>
-          <p:cNvSpPr>
-            <a:spLocks noGrp="1"/>
-          </p:cNvSpPr>
-          <p:nvPr>
-            <p:ph type="ftr" sz="quarter" idx="10"/>
-          </p:nvPr>
-        </p:nvSpPr>
-        <p:spPr/>
-        <p:txBody>
-          <a:bodyPr/>
-          <a:lstStyle/>
-          <a:p>
-            <a:r>
-              <a:rPr lang="en-US" sz="1000"/>
-              <a:t>© Software University Foundation – </a:t>
-            </a:r>
-            <a:r>
-              <a:rPr lang="en-US" sz="1000" u="sng">
-                <a:hlinkClick r:id="rId3"/>
-              </a:rPr>
-              <a:t>http://softuni.org</a:t>
-            </a:r>
-            <a:endParaRPr lang="en-US" sz="1000"/>
-          </a:p>
-          <a:p>
-            <a:r>
-              <a:rPr lang="en-US" sz="1000"/>
-              <a:t>This work is licensed under the </a:t>
-            </a:r>
-            <a:r>
-              <a:rPr lang="en-US" sz="1000" u="sng" noProof="1">
-                <a:hlinkClick r:id="rId4"/>
-              </a:rPr>
-              <a:t>Creative Commons Attribution-NonCommercial-ShareAlike</a:t>
-            </a:r>
-            <a:r>
-              <a:rPr lang="en-US" sz="1000" noProof="1"/>
-              <a:t> </a:t>
-            </a:r>
-            <a:r>
-              <a:rPr lang="en-US" sz="1000"/>
-              <a:t>license.</a:t>
-            </a:r>
-            <a:endParaRPr lang="en-US" sz="1000" dirty="0"/>
-          </a:p>
-        </p:txBody>
-      </p:sp>
-      <p:sp>
-        <p:nvSpPr>
           <p:cNvPr id="5" name="Slide Number Placeholder 4"/>
           <p:cNvSpPr>
             <a:spLocks noGrp="1"/>
@@ -4303,16 +5002,66 @@
             <a:fld id="{3EBA5BD7-F043-4D1B-AA17-CD412FC534DE}" type="slidenum">
               <a:rPr lang="en-US" smtClean="0"/>
               <a:pPr/>
-              <a:t>10</a:t>
+              <a:t>9</a:t>
             </a:fld>
             <a:endParaRPr lang="en-US" dirty="0"/>
+          </a:p>
+        </p:txBody>
+      </p:sp>
+      <p:sp>
+        <p:nvSpPr>
+          <p:cNvPr id="6" name="Footer Placeholder 7">
+            <a:extLst>
+              <a:ext uri="{FF2B5EF4-FFF2-40B4-BE49-F238E27FC236}">
+                <a16:creationId xmlns:a16="http://schemas.microsoft.com/office/drawing/2014/main" id="{EDCBDDC6-7B37-46BF-835D-A2360E5C9533}"/>
+              </a:ext>
+            </a:extLst>
+          </p:cNvPr>
+          <p:cNvSpPr>
+            <a:spLocks noGrp="1"/>
+          </p:cNvSpPr>
+          <p:nvPr>
+            <p:ph type="ftr" sz="quarter" idx="4"/>
+          </p:nvPr>
+        </p:nvSpPr>
+        <p:spPr>
+          <a:xfrm>
+            <a:off x="-1" y="8847000"/>
+            <a:ext cx="6488999" cy="297000"/>
+          </a:xfrm>
+          <a:prstGeom prst="rect">
+            <a:avLst/>
+          </a:prstGeom>
+        </p:spPr>
+        <p:txBody>
+          <a:bodyPr vert="horz" lIns="91440" tIns="45720" rIns="91440" bIns="45720" rtlCol="0" anchor="b"/>
+          <a:lstStyle>
+            <a:lvl1pPr algn="l">
+              <a:defRPr sz="1100"/>
+            </a:lvl1pPr>
+          </a:lstStyle>
+          <a:p>
+            <a:r>
+              <a:rPr lang="en-US" dirty="0"/>
+              <a:t>© SoftUni – </a:t>
+            </a:r>
+            <a:r>
+              <a:rPr lang="en-US" u="sng" dirty="0">
+                <a:hlinkClick r:id="rId3"/>
+              </a:rPr>
+              <a:t>https://softuni.org</a:t>
+            </a:r>
+            <a:r>
+              <a:rPr lang="en-US" dirty="0"/>
+              <a:t>. Copyrighted document. Unauthorized copy or reproduction is not permitted.</a:t>
+            </a:r>
           </a:p>
         </p:txBody>
       </p:sp>
     </p:spTree>
     <p:extLst>
       <p:ext uri="{BB962C8B-B14F-4D97-AF65-F5344CB8AC3E}">
-        <p14:creationId xmlns:p14="http://schemas.microsoft.com/office/powerpoint/2010/main" val="1151576824"/>
+        <p14:creationId xmlns:p14="http://schemas.microsoft.com/office/powerpoint/2010/main" val="1966501563"/>
       </p:ext>
     </p:extLst>
   </p:cSld>
@@ -4372,6 +5121,56 @@
       </p:sp>
       <p:sp>
         <p:nvSpPr>
+          <p:cNvPr id="4" name="Footer Placeholder 3"/>
+          <p:cNvSpPr>
+            <a:spLocks noGrp="1"/>
+          </p:cNvSpPr>
+          <p:nvPr>
+            <p:ph type="ftr" sz="quarter" idx="10"/>
+          </p:nvPr>
+        </p:nvSpPr>
+        <p:spPr/>
+        <p:txBody>
+          <a:bodyPr/>
+          <a:lstStyle/>
+          <a:p>
+            <a:r>
+              <a:rPr lang="en-US" sz="1000"/>
+              <a:t>© Software University Foundation – </a:t>
+            </a:r>
+            <a:r>
+              <a:rPr lang="en-US" sz="1000" u="sng">
+                <a:hlinkClick r:id="rId3"/>
+              </a:rPr>
+              <a:t>http://softuni.org</a:t>
+            </a:r>
+            <a:endParaRPr lang="en-US" sz="1000"/>
+          </a:p>
+          <a:p>
+            <a:r>
+              <a:rPr lang="en-US" sz="1000"/>
+              <a:t>This work is licensed under the </a:t>
+            </a:r>
+            <a:r>
+              <a:rPr lang="en-US" sz="1000" u="sng" noProof="1">
+                <a:hlinkClick r:id="rId4"/>
+              </a:rPr>
+              <a:t>Creative Commons Attribution-NonCommercial-ShareAlike</a:t>
+            </a:r>
+            <a:r>
+              <a:rPr lang="en-US" sz="1000" noProof="1"/>
+              <a:t> </a:t>
+            </a:r>
+            <a:r>
+              <a:rPr lang="en-US" sz="1000"/>
+              <a:t>license.</a:t>
+            </a:r>
+            <a:endParaRPr lang="en-US" sz="1000" dirty="0"/>
+          </a:p>
+        </p:txBody>
+      </p:sp>
+      <p:sp>
+        <p:nvSpPr>
           <p:cNvPr id="5" name="Slide Number Placeholder 4"/>
           <p:cNvSpPr>
             <a:spLocks noGrp="1"/>
@@ -4388,66 +5187,16 @@
             <a:fld id="{3EBA5BD7-F043-4D1B-AA17-CD412FC534DE}" type="slidenum">
               <a:rPr lang="en-US" smtClean="0"/>
               <a:pPr/>
-              <a:t>11</a:t>
+              <a:t>10</a:t>
             </a:fld>
             <a:endParaRPr lang="en-US" dirty="0"/>
-          </a:p>
-        </p:txBody>
-      </p:sp>
-      <p:sp>
-        <p:nvSpPr>
-          <p:cNvPr id="6" name="Footer Placeholder 7">
-            <a:extLst>
-              <a:ext uri="{FF2B5EF4-FFF2-40B4-BE49-F238E27FC236}">
-                <a16:creationId xmlns:a16="http://schemas.microsoft.com/office/drawing/2014/main" id="{D6AD8C22-F0D6-4AD0-9C8F-DA75BB5467C6}"/>
-              </a:ext>
-            </a:extLst>
-          </p:cNvPr>
-          <p:cNvSpPr>
-            <a:spLocks noGrp="1"/>
-          </p:cNvSpPr>
-          <p:nvPr>
-            <p:ph type="ftr" sz="quarter" idx="4"/>
-          </p:nvPr>
-        </p:nvSpPr>
-        <p:spPr>
-          <a:xfrm>
-            <a:off x="-1" y="8847000"/>
-            <a:ext cx="6488999" cy="297000"/>
-          </a:xfrm>
-          <a:prstGeom prst="rect">
-            <a:avLst/>
-          </a:prstGeom>
-        </p:spPr>
-        <p:txBody>
-          <a:bodyPr vert="horz" lIns="91440" tIns="45720" rIns="91440" bIns="45720" rtlCol="0" anchor="b"/>
-          <a:lstStyle>
-            <a:lvl1pPr algn="l">
-              <a:defRPr sz="1100"/>
-            </a:lvl1pPr>
-          </a:lstStyle>
-          <a:p>
-            <a:r>
-              <a:rPr lang="en-US" dirty="0"/>
-              <a:t>© SoftUni – </a:t>
-            </a:r>
-            <a:r>
-              <a:rPr lang="en-US" u="sng" dirty="0">
-                <a:hlinkClick r:id="rId3"/>
-              </a:rPr>
-              <a:t>https://softuni.org</a:t>
-            </a:r>
-            <a:r>
-              <a:rPr lang="en-US" dirty="0"/>
-              <a:t>. Copyrighted document. Unauthorized copy or reproduction is not permitted.</a:t>
-            </a:r>
           </a:p>
         </p:txBody>
       </p:sp>
     </p:spTree>
     <p:extLst>
       <p:ext uri="{BB962C8B-B14F-4D97-AF65-F5344CB8AC3E}">
-        <p14:creationId xmlns:p14="http://schemas.microsoft.com/office/powerpoint/2010/main" val="2931890652"/>
+        <p14:creationId xmlns:p14="http://schemas.microsoft.com/office/powerpoint/2010/main" val="1151576824"/>
       </p:ext>
     </p:extLst>
   </p:cSld>
@@ -13914,7 +14663,7 @@
 </file>
 
 <file path=ppt/slides/slide10.xml><?xml version="1.0" encoding="utf-8"?>
-<p:sld xmlns:a="http://schemas.openxmlformats.org/drawingml/2006/main" xmlns:r="http://schemas.openxmlformats.org/officeDocument/2006/relationships" xmlns:p="http://schemas.openxmlformats.org/presentationml/2006/main" show="0">
+<p:sld xmlns:a="http://schemas.openxmlformats.org/drawingml/2006/main" xmlns:r="http://schemas.openxmlformats.org/officeDocument/2006/relationships" xmlns:p="http://schemas.openxmlformats.org/presentationml/2006/main">
   <p:cSld>
     <p:spTree>
       <p:nvGrpSpPr>
@@ -15041,11 +15790,11 @@
   <p:clrMapOvr>
     <a:masterClrMapping/>
   </p:clrMapOvr>
-  <mc:AlternateContent xmlns:mc="http://schemas.openxmlformats.org/markup-compatibility/2006" xmlns:p14="http://schemas.microsoft.com/office/powerpoint/2010/main">
-    <mc:Choice Requires="p14">
+  <mc:AlternateContent xmlns:mc="http://schemas.openxmlformats.org/markup-compatibility/2006">
+    <mc:Choice xmlns:p14="http://schemas.microsoft.com/office/powerpoint/2010/main" Requires="p14">
       <p:transition spd="slow" p14:dur="2000" advClick="0" advTm="5000"/>
     </mc:Choice>
-    <mc:Fallback xmlns="">
+    <mc:Fallback>
       <p:transition spd="slow" advClick="0" advTm="5000"/>
     </mc:Fallback>
   </mc:AlternateContent>
@@ -15115,10 +15864,9 @@
           <a:lstStyle/>
           <a:p>
             <a:r>
-              <a:rPr lang="en-US"/>
+              <a:rPr lang="en-US" dirty="0"/>
               <a:t>Execute Functions </a:t>
             </a:r>
-            <a:endParaRPr lang="en-US" dirty="0"/>
           </a:p>
         </p:txBody>
       </p:sp>
@@ -16105,10 +16853,9 @@
           <a:lstStyle/>
           <a:p>
             <a:r>
-              <a:rPr lang="en-US"/>
+              <a:rPr lang="en-US" dirty="0"/>
               <a:t>Problem: Salary Level Function</a:t>
             </a:r>
-            <a:endParaRPr lang="en-US" dirty="0"/>
           </a:p>
         </p:txBody>
       </p:sp>
@@ -19884,7 +20631,7 @@
           <a:lstStyle/>
           <a:p>
             <a:r>
-              <a:rPr lang="en-US" altLang="en-US"/>
+              <a:rPr lang="en-US" altLang="en-US" dirty="0"/>
               <a:t>Creating Stored Procedures</a:t>
             </a:r>
             <a:endParaRPr lang="bg-BG" dirty="0"/>
@@ -21359,7 +22106,7 @@
           <a:lstStyle/>
           <a:p>
             <a:r>
-              <a:rPr lang="en-US" altLang="en-US"/>
+              <a:rPr lang="en-US" altLang="en-US" dirty="0"/>
               <a:t>Altering Stored Procedures</a:t>
             </a:r>
             <a:endParaRPr lang="bg-BG" dirty="0"/>
@@ -34737,10 +35484,9 @@
           <a:lstStyle/>
           <a:p>
             <a:r>
-              <a:rPr lang="en-US"/>
+              <a:rPr lang="en-US" dirty="0"/>
               <a:t>Create Functions (Scalar) </a:t>
             </a:r>
-            <a:endParaRPr lang="en-US" dirty="0"/>
           </a:p>
         </p:txBody>
       </p:sp>
